--- a/presentation.pptx
+++ b/presentation.pptx
@@ -10,13 +10,18 @@
     <p:sldId id="257" r:id="rId4"/>
     <p:sldId id="267" r:id="rId5"/>
     <p:sldId id="259" r:id="rId6"/>
-    <p:sldId id="260" r:id="rId7"/>
-    <p:sldId id="261" r:id="rId8"/>
-    <p:sldId id="262" r:id="rId9"/>
-    <p:sldId id="263" r:id="rId10"/>
-    <p:sldId id="264" r:id="rId11"/>
-    <p:sldId id="265" r:id="rId12"/>
-    <p:sldId id="266" r:id="rId13"/>
+    <p:sldId id="268" r:id="rId7"/>
+    <p:sldId id="269" r:id="rId8"/>
+    <p:sldId id="260" r:id="rId9"/>
+    <p:sldId id="261" r:id="rId10"/>
+    <p:sldId id="262" r:id="rId11"/>
+    <p:sldId id="263" r:id="rId12"/>
+    <p:sldId id="270" r:id="rId13"/>
+    <p:sldId id="272" r:id="rId14"/>
+    <p:sldId id="271" r:id="rId15"/>
+    <p:sldId id="264" r:id="rId16"/>
+    <p:sldId id="265" r:id="rId17"/>
+    <p:sldId id="266" r:id="rId18"/>
   </p:sldIdLst>
   <p:sldSz cx="9144000" cy="6858000" type="screen4x3"/>
   <p:notesSz cx="6858000" cy="9144000"/>
@@ -253,7 +258,7 @@
             <a:fld id="{5B106E36-FD25-4E2D-B0AA-010F637433A0}" type="datetimeFigureOut">
               <a:rPr lang="ru-RU" smtClean="0"/>
               <a:pPr/>
-              <a:t>15.11.2024</a:t>
+              <a:t>19.11.2024</a:t>
             </a:fld>
             <a:endParaRPr lang="ru-RU"/>
           </a:p>
@@ -568,7 +573,7 @@
             <a:fld id="{5B106E36-FD25-4E2D-B0AA-010F637433A0}" type="datetimeFigureOut">
               <a:rPr lang="ru-RU" smtClean="0"/>
               <a:pPr/>
-              <a:t>15.11.2024</a:t>
+              <a:t>19.11.2024</a:t>
             </a:fld>
             <a:endParaRPr lang="ru-RU"/>
           </a:p>
@@ -755,7 +760,7 @@
             <a:fld id="{5B106E36-FD25-4E2D-B0AA-010F637433A0}" type="datetimeFigureOut">
               <a:rPr lang="ru-RU" smtClean="0"/>
               <a:pPr/>
-              <a:t>15.11.2024</a:t>
+              <a:t>19.11.2024</a:t>
             </a:fld>
             <a:endParaRPr lang="ru-RU"/>
           </a:p>
@@ -932,7 +937,7 @@
             <a:fld id="{5B106E36-FD25-4E2D-B0AA-010F637433A0}" type="datetimeFigureOut">
               <a:rPr lang="ru-RU" smtClean="0"/>
               <a:pPr/>
-              <a:t>15.11.2024</a:t>
+              <a:t>19.11.2024</a:t>
             </a:fld>
             <a:endParaRPr lang="ru-RU"/>
           </a:p>
@@ -1202,7 +1207,7 @@
             <a:fld id="{5B106E36-FD25-4E2D-B0AA-010F637433A0}" type="datetimeFigureOut">
               <a:rPr lang="ru-RU" smtClean="0"/>
               <a:pPr/>
-              <a:t>15.11.2024</a:t>
+              <a:t>19.11.2024</a:t>
             </a:fld>
             <a:endParaRPr lang="ru-RU"/>
           </a:p>
@@ -1672,7 +1677,7 @@
             <a:fld id="{5B106E36-FD25-4E2D-B0AA-010F637433A0}" type="datetimeFigureOut">
               <a:rPr lang="ru-RU" smtClean="0"/>
               <a:pPr/>
-              <a:t>15.11.2024</a:t>
+              <a:t>19.11.2024</a:t>
             </a:fld>
             <a:endParaRPr lang="ru-RU"/>
           </a:p>
@@ -2163,7 +2168,7 @@
             <a:fld id="{5B106E36-FD25-4E2D-B0AA-010F637433A0}" type="datetimeFigureOut">
               <a:rPr lang="ru-RU" smtClean="0"/>
               <a:pPr/>
-              <a:t>15.11.2024</a:t>
+              <a:t>19.11.2024</a:t>
             </a:fld>
             <a:endParaRPr lang="ru-RU"/>
           </a:p>
@@ -2291,7 +2296,7 @@
             <a:fld id="{5B106E36-FD25-4E2D-B0AA-010F637433A0}" type="datetimeFigureOut">
               <a:rPr lang="ru-RU" smtClean="0"/>
               <a:pPr/>
-              <a:t>15.11.2024</a:t>
+              <a:t>19.11.2024</a:t>
             </a:fld>
             <a:endParaRPr lang="ru-RU"/>
           </a:p>
@@ -2437,7 +2442,7 @@
             <a:fld id="{5B106E36-FD25-4E2D-B0AA-010F637433A0}" type="datetimeFigureOut">
               <a:rPr lang="ru-RU" smtClean="0"/>
               <a:pPr/>
-              <a:t>15.11.2024</a:t>
+              <a:t>19.11.2024</a:t>
             </a:fld>
             <a:endParaRPr lang="ru-RU"/>
           </a:p>
@@ -2761,7 +2766,7 @@
             <a:fld id="{5B106E36-FD25-4E2D-B0AA-010F637433A0}" type="datetimeFigureOut">
               <a:rPr lang="ru-RU" smtClean="0"/>
               <a:pPr/>
-              <a:t>15.11.2024</a:t>
+              <a:t>19.11.2024</a:t>
             </a:fld>
             <a:endParaRPr lang="ru-RU"/>
           </a:p>
@@ -2897,7 +2902,7 @@
             <a:fld id="{5B106E36-FD25-4E2D-B0AA-010F637433A0}" type="datetimeFigureOut">
               <a:rPr lang="ru-RU" smtClean="0"/>
               <a:pPr/>
-              <a:t>15.11.2024</a:t>
+              <a:t>19.11.2024</a:t>
             </a:fld>
             <a:endParaRPr lang="ru-RU"/>
           </a:p>
@@ -3680,7 +3685,7 @@
             <a:fld id="{5B106E36-FD25-4E2D-B0AA-010F637433A0}" type="datetimeFigureOut">
               <a:rPr lang="ru-RU" smtClean="0"/>
               <a:pPr/>
-              <a:t>15.11.2024</a:t>
+              <a:t>19.11.2024</a:t>
             </a:fld>
             <a:endParaRPr lang="ru-RU"/>
           </a:p>
@@ -4273,7 +4278,7 @@
           <a:p>
             <a:r>
               <a:rPr lang="en-US" dirty="0" smtClean="0"/>
-              <a:t>Pros</a:t>
+              <a:t>Asymmetric Encryption</a:t>
             </a:r>
             <a:endParaRPr lang="en-US" dirty="0"/>
           </a:p>
@@ -4296,45 +4301,43 @@
           </a:xfrm>
         </p:spPr>
         <p:txBody>
-          <a:bodyPr>
-            <a:normAutofit/>
-          </a:bodyPr>
+          <a:bodyPr/>
           <a:lstStyle/>
           <a:p>
-            <a:pPr fontAlgn="ctr"/>
             <a:r>
               <a:rPr lang="en-US" dirty="0" smtClean="0"/>
-              <a:t>Asymmetric encryption offers more information security. </a:t>
-            </a:r>
-            <a:endParaRPr lang="en-US" dirty="0" smtClean="0"/>
-          </a:p>
-          <a:p>
-            <a:pPr fontAlgn="ctr"/>
-            <a:r>
-              <a:rPr lang="en-US" dirty="0" smtClean="0"/>
-              <a:t>The </a:t>
-            </a:r>
-            <a:r>
-              <a:rPr lang="en-US" dirty="0" smtClean="0"/>
-              <a:t>recipient can verify the origin of a message, making it easier to avoid messages from unknown senders. </a:t>
-            </a:r>
-          </a:p>
-          <a:p>
-            <a:pPr fontAlgn="ctr"/>
-            <a:r>
-              <a:rPr lang="en-US" dirty="0" smtClean="0"/>
-              <a:t>Asymmetric </a:t>
-            </a:r>
-            <a:r>
-              <a:rPr lang="en-US" dirty="0" smtClean="0"/>
-              <a:t>encryption creates security signatures that allow users to authenticate documents. </a:t>
-            </a:r>
-          </a:p>
-          <a:p>
+              <a:t>Asymmetric cryptography, also known as public key cryptography, is a process that uses a pair of related keys - one public key and one private key – to encrypt and decrypt a data and protect it</a:t>
+            </a:r>
             <a:endParaRPr lang="en-US" dirty="0"/>
           </a:p>
         </p:txBody>
       </p:sp>
+      <p:pic>
+        <p:nvPicPr>
+          <p:cNvPr id="5122" name="Picture 2" descr="Symmetric vs. Asymmetric Encryption - What are differences?"/>
+          <p:cNvPicPr>
+            <a:picLocks noChangeAspect="1" noChangeArrowheads="1"/>
+          </p:cNvPicPr>
+          <p:nvPr/>
+        </p:nvPicPr>
+        <p:blipFill>
+          <a:blip r:embed="rId2" cstate="print"/>
+          <a:srcRect/>
+          <a:stretch>
+            <a:fillRect/>
+          </a:stretch>
+        </p:blipFill>
+        <p:spPr bwMode="auto">
+          <a:xfrm>
+            <a:off x="2195736" y="3985368"/>
+            <a:ext cx="5256584" cy="2872632"/>
+          </a:xfrm>
+          <a:prstGeom prst="rect">
+            <a:avLst/>
+          </a:prstGeom>
+          <a:noFill/>
+        </p:spPr>
+      </p:pic>
     </p:spTree>
   </p:cSld>
   <p:clrMapOvr>
@@ -4377,7 +4380,7 @@
           <a:p>
             <a:r>
               <a:rPr lang="en-US" dirty="0" smtClean="0"/>
-              <a:t>Cons</a:t>
+              <a:t>How it works</a:t>
             </a:r>
             <a:endParaRPr lang="en-US" dirty="0"/>
           </a:p>
@@ -4385,7 +4388,7 @@
       </p:sp>
       <p:sp>
         <p:nvSpPr>
-          <p:cNvPr id="3" name="Содержимое 2"/>
+          <p:cNvPr id="4" name="Содержимое 3"/>
           <p:cNvSpPr>
             <a:spLocks noGrp="1"/>
           </p:cNvSpPr>
@@ -4396,58 +4399,17 @@
         <p:spPr>
           <a:xfrm>
             <a:off x="1043608" y="1447800"/>
-            <a:ext cx="7890080" cy="5410200"/>
-          </a:xfrm>
-        </p:spPr>
-        <p:txBody>
-          <a:bodyPr>
-            <a:normAutofit fontScale="92500"/>
-          </a:bodyPr>
+            <a:ext cx="7890080" cy="4800600"/>
+          </a:xfrm>
+        </p:spPr>
+        <p:txBody>
+          <a:bodyPr/>
           <a:lstStyle/>
           <a:p>
-            <a:pPr fontAlgn="ctr"/>
             <a:r>
               <a:rPr lang="en-US" dirty="0" smtClean="0"/>
-              <a:t>Asymmetric </a:t>
-            </a:r>
-            <a:r>
-              <a:rPr lang="en-US" dirty="0" smtClean="0"/>
-              <a:t>encryption is slower than symmetric encryption because of the computationally intensive operations involved. </a:t>
-            </a:r>
-          </a:p>
-          <a:p>
-            <a:pPr fontAlgn="ctr"/>
-            <a:r>
-              <a:rPr lang="en-US" dirty="0" smtClean="0"/>
-              <a:t>Asymmetric </a:t>
-            </a:r>
-            <a:r>
-              <a:rPr lang="en-US" dirty="0" smtClean="0"/>
-              <a:t>encryption is less efficient than symmetric encryption, making it unsuitable for encrypting large amounts of data. </a:t>
-            </a:r>
-          </a:p>
-          <a:p>
-            <a:pPr fontAlgn="ctr"/>
-            <a:r>
-              <a:rPr lang="en-US" dirty="0" smtClean="0"/>
-              <a:t>If </a:t>
-            </a:r>
-            <a:r>
-              <a:rPr lang="en-US" dirty="0" smtClean="0"/>
-              <a:t>the private key is lost, no one can decrypt the information. </a:t>
-            </a:r>
-          </a:p>
-          <a:p>
-            <a:r>
-              <a:rPr lang="en-US" smtClean="0"/>
-              <a:t>All </a:t>
-            </a:r>
-            <a:r>
-              <a:rPr lang="en-US" dirty="0" smtClean="0"/>
-              <a:t>parties must use the same form of encryption to share messages. </a:t>
-            </a:r>
-          </a:p>
-          <a:p>
+              <a:t>Keys in Asymmetric encryption are mathematically related. If you encrypt data with public key X, it means you can decrypt data ONLY with private key X.</a:t>
+            </a:r>
             <a:endParaRPr lang="en-US" dirty="0"/>
           </a:p>
         </p:txBody>
@@ -4461,6 +4423,877 @@
 </file>
 
 <file path=ppt/slides/slide12.xml><?xml version="1.0" encoding="utf-8"?>
+<p:sld xmlns:a="http://schemas.openxmlformats.org/drawingml/2006/main" xmlns:r="http://schemas.openxmlformats.org/officeDocument/2006/relationships" xmlns:p="http://schemas.openxmlformats.org/presentationml/2006/main">
+  <p:cSld>
+    <p:spTree>
+      <p:nvGrpSpPr>
+        <p:cNvPr id="1" name=""/>
+        <p:cNvGrpSpPr/>
+        <p:nvPr/>
+      </p:nvGrpSpPr>
+      <p:grpSpPr>
+        <a:xfrm>
+          <a:off x="0" y="0"/>
+          <a:ext cx="0" cy="0"/>
+          <a:chOff x="0" y="0"/>
+          <a:chExt cx="0" cy="0"/>
+        </a:xfrm>
+      </p:grpSpPr>
+      <p:sp>
+        <p:nvSpPr>
+          <p:cNvPr id="2" name="Заголовок 1"/>
+          <p:cNvSpPr>
+            <a:spLocks noGrp="1"/>
+          </p:cNvSpPr>
+          <p:nvPr>
+            <p:ph type="title"/>
+          </p:nvPr>
+        </p:nvSpPr>
+        <p:spPr>
+          <a:xfrm>
+            <a:off x="1043608" y="274638"/>
+            <a:ext cx="7890080" cy="1143000"/>
+          </a:xfrm>
+        </p:spPr>
+        <p:txBody>
+          <a:bodyPr>
+            <a:normAutofit fontScale="90000"/>
+          </a:bodyPr>
+          <a:lstStyle/>
+          <a:p>
+            <a:r>
+              <a:rPr lang="en-US" dirty="0" smtClean="0"/>
+              <a:t>Asymmetric </a:t>
+            </a:r>
+            <a:r>
+              <a:rPr lang="en-US" dirty="0" smtClean="0"/>
+              <a:t>Encryption in project</a:t>
+            </a:r>
+            <a:endParaRPr lang="en-US" dirty="0"/>
+          </a:p>
+        </p:txBody>
+      </p:sp>
+      <p:pic>
+        <p:nvPicPr>
+          <p:cNvPr id="3074" name="Picture 2"/>
+          <p:cNvPicPr>
+            <a:picLocks noChangeAspect="1" noChangeArrowheads="1"/>
+          </p:cNvPicPr>
+          <p:nvPr/>
+        </p:nvPicPr>
+        <p:blipFill>
+          <a:blip r:embed="rId2" cstate="print"/>
+          <a:srcRect/>
+          <a:stretch>
+            <a:fillRect/>
+          </a:stretch>
+        </p:blipFill>
+        <p:spPr bwMode="auto">
+          <a:xfrm>
+            <a:off x="179512" y="2204864"/>
+            <a:ext cx="4009852" cy="4476031"/>
+          </a:xfrm>
+          <a:prstGeom prst="rect">
+            <a:avLst/>
+          </a:prstGeom>
+          <a:noFill/>
+          <a:ln w="9525">
+            <a:noFill/>
+            <a:miter lim="800000"/>
+            <a:headEnd/>
+            <a:tailEnd/>
+          </a:ln>
+          <a:effectLst/>
+        </p:spPr>
+      </p:pic>
+      <p:sp>
+        <p:nvSpPr>
+          <p:cNvPr id="5" name="Прямоугольник 4"/>
+          <p:cNvSpPr/>
+          <p:nvPr/>
+        </p:nvSpPr>
+        <p:spPr>
+          <a:xfrm>
+            <a:off x="0" y="1628800"/>
+            <a:ext cx="4195104" cy="646331"/>
+          </a:xfrm>
+          <a:prstGeom prst="rect">
+            <a:avLst/>
+          </a:prstGeom>
+        </p:spPr>
+        <p:txBody>
+          <a:bodyPr wrap="square">
+            <a:spAutoFit/>
+          </a:bodyPr>
+          <a:lstStyle/>
+          <a:p>
+            <a:pPr algn="ctr"/>
+            <a:r>
+              <a:rPr lang="en-US" dirty="0" smtClean="0">
+                <a:solidFill>
+                  <a:schemeClr val="tx1">
+                    <a:lumMod val="95000"/>
+                    <a:lumOff val="5000"/>
+                  </a:schemeClr>
+                </a:solidFill>
+              </a:rPr>
+              <a:t>Filling the form and </a:t>
+            </a:r>
+            <a:r>
+              <a:rPr lang="en-US" dirty="0" smtClean="0">
+                <a:solidFill>
+                  <a:schemeClr val="tx1">
+                    <a:lumMod val="95000"/>
+                    <a:lumOff val="5000"/>
+                  </a:schemeClr>
+                </a:solidFill>
+              </a:rPr>
+              <a:t>submitting without key</a:t>
+            </a:r>
+            <a:endParaRPr lang="en-US" dirty="0">
+              <a:solidFill>
+                <a:schemeClr val="tx1">
+                  <a:lumMod val="95000"/>
+                  <a:lumOff val="5000"/>
+                </a:schemeClr>
+              </a:solidFill>
+            </a:endParaRPr>
+          </a:p>
+        </p:txBody>
+      </p:sp>
+      <p:pic>
+        <p:nvPicPr>
+          <p:cNvPr id="3075" name="Picture 3"/>
+          <p:cNvPicPr>
+            <a:picLocks noChangeAspect="1" noChangeArrowheads="1"/>
+          </p:cNvPicPr>
+          <p:nvPr/>
+        </p:nvPicPr>
+        <p:blipFill>
+          <a:blip r:embed="rId3" cstate="print"/>
+          <a:srcRect/>
+          <a:stretch>
+            <a:fillRect/>
+          </a:stretch>
+        </p:blipFill>
+        <p:spPr bwMode="auto">
+          <a:xfrm>
+            <a:off x="4261556" y="2996952"/>
+            <a:ext cx="4882444" cy="1800200"/>
+          </a:xfrm>
+          <a:prstGeom prst="rect">
+            <a:avLst/>
+          </a:prstGeom>
+          <a:noFill/>
+          <a:ln w="9525">
+            <a:noFill/>
+            <a:miter lim="800000"/>
+            <a:headEnd/>
+            <a:tailEnd/>
+          </a:ln>
+          <a:effectLst/>
+        </p:spPr>
+      </p:pic>
+      <p:sp>
+        <p:nvSpPr>
+          <p:cNvPr id="8" name="Прямоугольник 7"/>
+          <p:cNvSpPr/>
+          <p:nvPr/>
+        </p:nvSpPr>
+        <p:spPr>
+          <a:xfrm>
+            <a:off x="4860032" y="2492896"/>
+            <a:ext cx="3877985" cy="369332"/>
+          </a:xfrm>
+          <a:prstGeom prst="rect">
+            <a:avLst/>
+          </a:prstGeom>
+        </p:spPr>
+        <p:txBody>
+          <a:bodyPr wrap="square">
+            <a:spAutoFit/>
+          </a:bodyPr>
+          <a:lstStyle/>
+          <a:p>
+            <a:pPr algn="ctr"/>
+            <a:r>
+              <a:rPr lang="en-US" dirty="0" smtClean="0">
+                <a:solidFill>
+                  <a:schemeClr val="tx1">
+                    <a:lumMod val="95000"/>
+                    <a:lumOff val="5000"/>
+                  </a:schemeClr>
+                </a:solidFill>
+              </a:rPr>
+              <a:t>Encrypted file and keys send to mail</a:t>
+            </a:r>
+            <a:endParaRPr lang="en-US" dirty="0">
+              <a:solidFill>
+                <a:schemeClr val="tx1">
+                  <a:lumMod val="95000"/>
+                  <a:lumOff val="5000"/>
+                </a:schemeClr>
+              </a:solidFill>
+            </a:endParaRPr>
+          </a:p>
+        </p:txBody>
+      </p:sp>
+    </p:spTree>
+  </p:cSld>
+  <p:clrMapOvr>
+    <a:masterClrMapping/>
+  </p:clrMapOvr>
+</p:sld>
+</file>
+
+<file path=ppt/slides/slide13.xml><?xml version="1.0" encoding="utf-8"?>
+<p:sld xmlns:a="http://schemas.openxmlformats.org/drawingml/2006/main" xmlns:r="http://schemas.openxmlformats.org/officeDocument/2006/relationships" xmlns:p="http://schemas.openxmlformats.org/presentationml/2006/main">
+  <p:cSld>
+    <p:spTree>
+      <p:nvGrpSpPr>
+        <p:cNvPr id="1" name=""/>
+        <p:cNvGrpSpPr/>
+        <p:nvPr/>
+      </p:nvGrpSpPr>
+      <p:grpSpPr>
+        <a:xfrm>
+          <a:off x="0" y="0"/>
+          <a:ext cx="0" cy="0"/>
+          <a:chOff x="0" y="0"/>
+          <a:chExt cx="0" cy="0"/>
+        </a:xfrm>
+      </p:grpSpPr>
+      <p:pic>
+        <p:nvPicPr>
+          <p:cNvPr id="4098" name="Picture 2"/>
+          <p:cNvPicPr>
+            <a:picLocks noChangeAspect="1" noChangeArrowheads="1"/>
+          </p:cNvPicPr>
+          <p:nvPr/>
+        </p:nvPicPr>
+        <p:blipFill>
+          <a:blip r:embed="rId2" cstate="print"/>
+          <a:srcRect/>
+          <a:stretch>
+            <a:fillRect/>
+          </a:stretch>
+        </p:blipFill>
+        <p:spPr bwMode="auto">
+          <a:xfrm>
+            <a:off x="0" y="2004545"/>
+            <a:ext cx="4355976" cy="4853455"/>
+          </a:xfrm>
+          <a:prstGeom prst="rect">
+            <a:avLst/>
+          </a:prstGeom>
+          <a:noFill/>
+          <a:ln w="9525">
+            <a:noFill/>
+            <a:miter lim="800000"/>
+            <a:headEnd/>
+            <a:tailEnd/>
+          </a:ln>
+          <a:effectLst/>
+        </p:spPr>
+      </p:pic>
+      <p:sp>
+        <p:nvSpPr>
+          <p:cNvPr id="5" name="Прямоугольник 4"/>
+          <p:cNvSpPr/>
+          <p:nvPr/>
+        </p:nvSpPr>
+        <p:spPr>
+          <a:xfrm>
+            <a:off x="0" y="1556792"/>
+            <a:ext cx="4355976" cy="369332"/>
+          </a:xfrm>
+          <a:prstGeom prst="rect">
+            <a:avLst/>
+          </a:prstGeom>
+        </p:spPr>
+        <p:txBody>
+          <a:bodyPr wrap="square">
+            <a:spAutoFit/>
+          </a:bodyPr>
+          <a:lstStyle/>
+          <a:p>
+            <a:pPr algn="ctr"/>
+            <a:r>
+              <a:rPr lang="en-US" dirty="0" smtClean="0">
+                <a:solidFill>
+                  <a:schemeClr val="tx1">
+                    <a:lumMod val="95000"/>
+                    <a:lumOff val="5000"/>
+                  </a:schemeClr>
+                </a:solidFill>
+              </a:rPr>
+              <a:t>Filling the form and submitting </a:t>
+            </a:r>
+            <a:r>
+              <a:rPr lang="en-US" dirty="0" smtClean="0">
+                <a:solidFill>
+                  <a:schemeClr val="tx1">
+                    <a:lumMod val="95000"/>
+                    <a:lumOff val="5000"/>
+                  </a:schemeClr>
+                </a:solidFill>
+              </a:rPr>
+              <a:t>with </a:t>
+            </a:r>
+            <a:r>
+              <a:rPr lang="en-US" dirty="0" smtClean="0">
+                <a:solidFill>
+                  <a:schemeClr val="tx1">
+                    <a:lumMod val="95000"/>
+                    <a:lumOff val="5000"/>
+                  </a:schemeClr>
+                </a:solidFill>
+              </a:rPr>
+              <a:t>key</a:t>
+            </a:r>
+            <a:endParaRPr lang="en-US" dirty="0">
+              <a:solidFill>
+                <a:schemeClr val="tx1">
+                  <a:lumMod val="95000"/>
+                  <a:lumOff val="5000"/>
+                </a:schemeClr>
+              </a:solidFill>
+            </a:endParaRPr>
+          </a:p>
+        </p:txBody>
+      </p:sp>
+      <p:pic>
+        <p:nvPicPr>
+          <p:cNvPr id="4099" name="Picture 3"/>
+          <p:cNvPicPr>
+            <a:picLocks noChangeAspect="1" noChangeArrowheads="1"/>
+          </p:cNvPicPr>
+          <p:nvPr/>
+        </p:nvPicPr>
+        <p:blipFill>
+          <a:blip r:embed="rId3" cstate="print"/>
+          <a:srcRect/>
+          <a:stretch>
+            <a:fillRect/>
+          </a:stretch>
+        </p:blipFill>
+        <p:spPr bwMode="auto">
+          <a:xfrm>
+            <a:off x="4355976" y="3068960"/>
+            <a:ext cx="4896544" cy="2099943"/>
+          </a:xfrm>
+          <a:prstGeom prst="rect">
+            <a:avLst/>
+          </a:prstGeom>
+          <a:noFill/>
+          <a:ln w="9525">
+            <a:noFill/>
+            <a:miter lim="800000"/>
+            <a:headEnd/>
+            <a:tailEnd/>
+          </a:ln>
+          <a:effectLst/>
+        </p:spPr>
+      </p:pic>
+      <p:sp>
+        <p:nvSpPr>
+          <p:cNvPr id="7" name="Прямоугольник 6"/>
+          <p:cNvSpPr/>
+          <p:nvPr/>
+        </p:nvSpPr>
+        <p:spPr>
+          <a:xfrm>
+            <a:off x="5425765" y="2492896"/>
+            <a:ext cx="2890535" cy="369332"/>
+          </a:xfrm>
+          <a:prstGeom prst="rect">
+            <a:avLst/>
+          </a:prstGeom>
+        </p:spPr>
+        <p:txBody>
+          <a:bodyPr wrap="none">
+            <a:spAutoFit/>
+          </a:bodyPr>
+          <a:lstStyle/>
+          <a:p>
+            <a:pPr algn="ctr"/>
+            <a:r>
+              <a:rPr lang="en-US" dirty="0" smtClean="0">
+                <a:solidFill>
+                  <a:schemeClr val="tx1">
+                    <a:lumMod val="95000"/>
+                    <a:lumOff val="5000"/>
+                  </a:schemeClr>
+                </a:solidFill>
+              </a:rPr>
+              <a:t>Encrypted file </a:t>
+            </a:r>
+            <a:r>
+              <a:rPr lang="en-US" dirty="0" smtClean="0">
+                <a:solidFill>
+                  <a:schemeClr val="tx1">
+                    <a:lumMod val="95000"/>
+                    <a:lumOff val="5000"/>
+                  </a:schemeClr>
+                </a:solidFill>
+              </a:rPr>
+              <a:t>send </a:t>
+            </a:r>
+            <a:r>
+              <a:rPr lang="en-US" dirty="0" smtClean="0">
+                <a:solidFill>
+                  <a:schemeClr val="tx1">
+                    <a:lumMod val="95000"/>
+                    <a:lumOff val="5000"/>
+                  </a:schemeClr>
+                </a:solidFill>
+              </a:rPr>
+              <a:t>to mail</a:t>
+            </a:r>
+            <a:endParaRPr lang="en-US" dirty="0">
+              <a:solidFill>
+                <a:schemeClr val="tx1">
+                  <a:lumMod val="95000"/>
+                  <a:lumOff val="5000"/>
+                </a:schemeClr>
+              </a:solidFill>
+            </a:endParaRPr>
+          </a:p>
+        </p:txBody>
+      </p:sp>
+    </p:spTree>
+  </p:cSld>
+  <p:clrMapOvr>
+    <a:masterClrMapping/>
+  </p:clrMapOvr>
+</p:sld>
+</file>
+
+<file path=ppt/slides/slide14.xml><?xml version="1.0" encoding="utf-8"?>
+<p:sld xmlns:a="http://schemas.openxmlformats.org/drawingml/2006/main" xmlns:r="http://schemas.openxmlformats.org/officeDocument/2006/relationships" xmlns:p="http://schemas.openxmlformats.org/presentationml/2006/main">
+  <p:cSld>
+    <p:spTree>
+      <p:nvGrpSpPr>
+        <p:cNvPr id="1" name=""/>
+        <p:cNvGrpSpPr/>
+        <p:nvPr/>
+      </p:nvGrpSpPr>
+      <p:grpSpPr>
+        <a:xfrm>
+          <a:off x="0" y="0"/>
+          <a:ext cx="0" cy="0"/>
+          <a:chOff x="0" y="0"/>
+          <a:chExt cx="0" cy="0"/>
+        </a:xfrm>
+      </p:grpSpPr>
+      <p:sp>
+        <p:nvSpPr>
+          <p:cNvPr id="2" name="Заголовок 1"/>
+          <p:cNvSpPr>
+            <a:spLocks noGrp="1"/>
+          </p:cNvSpPr>
+          <p:nvPr>
+            <p:ph type="title"/>
+          </p:nvPr>
+        </p:nvSpPr>
+        <p:spPr>
+          <a:xfrm>
+            <a:off x="1043608" y="274638"/>
+            <a:ext cx="7890080" cy="1143000"/>
+          </a:xfrm>
+        </p:spPr>
+        <p:txBody>
+          <a:bodyPr>
+            <a:normAutofit fontScale="90000"/>
+          </a:bodyPr>
+          <a:lstStyle/>
+          <a:p>
+            <a:r>
+              <a:rPr lang="en-US" dirty="0" smtClean="0"/>
+              <a:t>Asymmetric </a:t>
+            </a:r>
+            <a:r>
+              <a:rPr lang="en-US" dirty="0" smtClean="0"/>
+              <a:t>Decryption in project</a:t>
+            </a:r>
+            <a:endParaRPr lang="en-US" dirty="0"/>
+          </a:p>
+        </p:txBody>
+      </p:sp>
+      <p:pic>
+        <p:nvPicPr>
+          <p:cNvPr id="5122" name="Picture 2"/>
+          <p:cNvPicPr>
+            <a:picLocks noChangeAspect="1" noChangeArrowheads="1"/>
+          </p:cNvPicPr>
+          <p:nvPr/>
+        </p:nvPicPr>
+        <p:blipFill>
+          <a:blip r:embed="rId2" cstate="print"/>
+          <a:srcRect/>
+          <a:stretch>
+            <a:fillRect/>
+          </a:stretch>
+        </p:blipFill>
+        <p:spPr bwMode="auto">
+          <a:xfrm>
+            <a:off x="0" y="2196763"/>
+            <a:ext cx="3635896" cy="4661237"/>
+          </a:xfrm>
+          <a:prstGeom prst="rect">
+            <a:avLst/>
+          </a:prstGeom>
+          <a:noFill/>
+          <a:ln w="9525">
+            <a:noFill/>
+            <a:miter lim="800000"/>
+            <a:headEnd/>
+            <a:tailEnd/>
+          </a:ln>
+          <a:effectLst/>
+        </p:spPr>
+      </p:pic>
+      <p:sp>
+        <p:nvSpPr>
+          <p:cNvPr id="5" name="Прямоугольник 4"/>
+          <p:cNvSpPr/>
+          <p:nvPr/>
+        </p:nvSpPr>
+        <p:spPr>
+          <a:xfrm>
+            <a:off x="0" y="1700808"/>
+            <a:ext cx="3635896" cy="369332"/>
+          </a:xfrm>
+          <a:prstGeom prst="rect">
+            <a:avLst/>
+          </a:prstGeom>
+        </p:spPr>
+        <p:txBody>
+          <a:bodyPr wrap="square">
+            <a:spAutoFit/>
+          </a:bodyPr>
+          <a:lstStyle/>
+          <a:p>
+            <a:pPr algn="ctr"/>
+            <a:r>
+              <a:rPr lang="en-US" dirty="0" smtClean="0">
+                <a:solidFill>
+                  <a:schemeClr val="tx1">
+                    <a:lumMod val="95000"/>
+                    <a:lumOff val="5000"/>
+                  </a:schemeClr>
+                </a:solidFill>
+              </a:rPr>
+              <a:t>Filling the form and submitting </a:t>
+            </a:r>
+            <a:endParaRPr lang="en-US" dirty="0">
+              <a:solidFill>
+                <a:schemeClr val="tx1">
+                  <a:lumMod val="95000"/>
+                  <a:lumOff val="5000"/>
+                </a:schemeClr>
+              </a:solidFill>
+            </a:endParaRPr>
+          </a:p>
+        </p:txBody>
+      </p:sp>
+      <p:pic>
+        <p:nvPicPr>
+          <p:cNvPr id="5123" name="Picture 3"/>
+          <p:cNvPicPr>
+            <a:picLocks noChangeAspect="1" noChangeArrowheads="1"/>
+          </p:cNvPicPr>
+          <p:nvPr/>
+        </p:nvPicPr>
+        <p:blipFill>
+          <a:blip r:embed="rId3" cstate="print"/>
+          <a:srcRect/>
+          <a:stretch>
+            <a:fillRect/>
+          </a:stretch>
+        </p:blipFill>
+        <p:spPr bwMode="auto">
+          <a:xfrm>
+            <a:off x="3995936" y="3212976"/>
+            <a:ext cx="4694237" cy="2225675"/>
+          </a:xfrm>
+          <a:prstGeom prst="rect">
+            <a:avLst/>
+          </a:prstGeom>
+          <a:noFill/>
+          <a:ln w="9525">
+            <a:noFill/>
+            <a:miter lim="800000"/>
+            <a:headEnd/>
+            <a:tailEnd/>
+          </a:ln>
+          <a:effectLst/>
+        </p:spPr>
+      </p:pic>
+      <p:sp>
+        <p:nvSpPr>
+          <p:cNvPr id="7" name="Прямоугольник 6"/>
+          <p:cNvSpPr/>
+          <p:nvPr/>
+        </p:nvSpPr>
+        <p:spPr>
+          <a:xfrm>
+            <a:off x="4716016" y="2924944"/>
+            <a:ext cx="2903359" cy="369332"/>
+          </a:xfrm>
+          <a:prstGeom prst="rect">
+            <a:avLst/>
+          </a:prstGeom>
+        </p:spPr>
+        <p:txBody>
+          <a:bodyPr wrap="none">
+            <a:spAutoFit/>
+          </a:bodyPr>
+          <a:lstStyle/>
+          <a:p>
+            <a:pPr algn="ctr"/>
+            <a:r>
+              <a:rPr lang="en-US" dirty="0" smtClean="0">
+                <a:solidFill>
+                  <a:schemeClr val="tx1">
+                    <a:lumMod val="95000"/>
+                    <a:lumOff val="5000"/>
+                  </a:schemeClr>
+                </a:solidFill>
+              </a:rPr>
+              <a:t>Decrypted </a:t>
+            </a:r>
+            <a:r>
+              <a:rPr lang="en-US" dirty="0" smtClean="0">
+                <a:solidFill>
+                  <a:schemeClr val="tx1">
+                    <a:lumMod val="95000"/>
+                    <a:lumOff val="5000"/>
+                  </a:schemeClr>
+                </a:solidFill>
+              </a:rPr>
+              <a:t>file send to mail</a:t>
+            </a:r>
+            <a:endParaRPr lang="en-US" dirty="0">
+              <a:solidFill>
+                <a:schemeClr val="tx1">
+                  <a:lumMod val="95000"/>
+                  <a:lumOff val="5000"/>
+                </a:schemeClr>
+              </a:solidFill>
+            </a:endParaRPr>
+          </a:p>
+        </p:txBody>
+      </p:sp>
+    </p:spTree>
+  </p:cSld>
+  <p:clrMapOvr>
+    <a:masterClrMapping/>
+  </p:clrMapOvr>
+</p:sld>
+</file>
+
+<file path=ppt/slides/slide15.xml><?xml version="1.0" encoding="utf-8"?>
+<p:sld xmlns:a="http://schemas.openxmlformats.org/drawingml/2006/main" xmlns:r="http://schemas.openxmlformats.org/officeDocument/2006/relationships" xmlns:p="http://schemas.openxmlformats.org/presentationml/2006/main">
+  <p:cSld>
+    <p:spTree>
+      <p:nvGrpSpPr>
+        <p:cNvPr id="1" name=""/>
+        <p:cNvGrpSpPr/>
+        <p:nvPr/>
+      </p:nvGrpSpPr>
+      <p:grpSpPr>
+        <a:xfrm>
+          <a:off x="0" y="0"/>
+          <a:ext cx="0" cy="0"/>
+          <a:chOff x="0" y="0"/>
+          <a:chExt cx="0" cy="0"/>
+        </a:xfrm>
+      </p:grpSpPr>
+      <p:sp>
+        <p:nvSpPr>
+          <p:cNvPr id="2" name="Заголовок 1"/>
+          <p:cNvSpPr>
+            <a:spLocks noGrp="1"/>
+          </p:cNvSpPr>
+          <p:nvPr>
+            <p:ph type="title"/>
+          </p:nvPr>
+        </p:nvSpPr>
+        <p:spPr/>
+        <p:txBody>
+          <a:bodyPr/>
+          <a:lstStyle/>
+          <a:p>
+            <a:r>
+              <a:rPr lang="en-US" dirty="0" smtClean="0"/>
+              <a:t>Pros</a:t>
+            </a:r>
+            <a:endParaRPr lang="en-US" dirty="0"/>
+          </a:p>
+        </p:txBody>
+      </p:sp>
+      <p:sp>
+        <p:nvSpPr>
+          <p:cNvPr id="3" name="Содержимое 2"/>
+          <p:cNvSpPr>
+            <a:spLocks noGrp="1"/>
+          </p:cNvSpPr>
+          <p:nvPr>
+            <p:ph idx="1"/>
+          </p:nvPr>
+        </p:nvSpPr>
+        <p:spPr>
+          <a:xfrm>
+            <a:off x="1043608" y="1447800"/>
+            <a:ext cx="7890080" cy="5410200"/>
+          </a:xfrm>
+        </p:spPr>
+        <p:txBody>
+          <a:bodyPr>
+            <a:normAutofit/>
+          </a:bodyPr>
+          <a:lstStyle/>
+          <a:p>
+            <a:pPr fontAlgn="ctr"/>
+            <a:r>
+              <a:rPr lang="en-US" dirty="0" smtClean="0"/>
+              <a:t>Asymmetric encryption offers more information security. </a:t>
+            </a:r>
+          </a:p>
+          <a:p>
+            <a:pPr fontAlgn="ctr"/>
+            <a:r>
+              <a:rPr lang="en-US" dirty="0" smtClean="0"/>
+              <a:t>The recipient can verify the origin of a message, making it easier to avoid messages from unknown senders. </a:t>
+            </a:r>
+          </a:p>
+          <a:p>
+            <a:pPr fontAlgn="ctr"/>
+            <a:r>
+              <a:rPr lang="en-US" dirty="0" smtClean="0"/>
+              <a:t>Asymmetric encryption creates security signatures that allow users to authenticate documents. </a:t>
+            </a:r>
+          </a:p>
+          <a:p>
+            <a:endParaRPr lang="en-US" dirty="0"/>
+          </a:p>
+        </p:txBody>
+      </p:sp>
+    </p:spTree>
+  </p:cSld>
+  <p:clrMapOvr>
+    <a:masterClrMapping/>
+  </p:clrMapOvr>
+</p:sld>
+</file>
+
+<file path=ppt/slides/slide16.xml><?xml version="1.0" encoding="utf-8"?>
+<p:sld xmlns:a="http://schemas.openxmlformats.org/drawingml/2006/main" xmlns:r="http://schemas.openxmlformats.org/officeDocument/2006/relationships" xmlns:p="http://schemas.openxmlformats.org/presentationml/2006/main">
+  <p:cSld>
+    <p:spTree>
+      <p:nvGrpSpPr>
+        <p:cNvPr id="1" name=""/>
+        <p:cNvGrpSpPr/>
+        <p:nvPr/>
+      </p:nvGrpSpPr>
+      <p:grpSpPr>
+        <a:xfrm>
+          <a:off x="0" y="0"/>
+          <a:ext cx="0" cy="0"/>
+          <a:chOff x="0" y="0"/>
+          <a:chExt cx="0" cy="0"/>
+        </a:xfrm>
+      </p:grpSpPr>
+      <p:sp>
+        <p:nvSpPr>
+          <p:cNvPr id="2" name="Заголовок 1"/>
+          <p:cNvSpPr>
+            <a:spLocks noGrp="1"/>
+          </p:cNvSpPr>
+          <p:nvPr>
+            <p:ph type="title"/>
+          </p:nvPr>
+        </p:nvSpPr>
+        <p:spPr/>
+        <p:txBody>
+          <a:bodyPr/>
+          <a:lstStyle/>
+          <a:p>
+            <a:r>
+              <a:rPr lang="en-US" dirty="0" smtClean="0"/>
+              <a:t>Cons</a:t>
+            </a:r>
+            <a:endParaRPr lang="en-US" dirty="0"/>
+          </a:p>
+        </p:txBody>
+      </p:sp>
+      <p:sp>
+        <p:nvSpPr>
+          <p:cNvPr id="3" name="Содержимое 2"/>
+          <p:cNvSpPr>
+            <a:spLocks noGrp="1"/>
+          </p:cNvSpPr>
+          <p:nvPr>
+            <p:ph idx="1"/>
+          </p:nvPr>
+        </p:nvSpPr>
+        <p:spPr>
+          <a:xfrm>
+            <a:off x="1043608" y="1447800"/>
+            <a:ext cx="7890080" cy="5410200"/>
+          </a:xfrm>
+        </p:spPr>
+        <p:txBody>
+          <a:bodyPr>
+            <a:normAutofit fontScale="92500"/>
+          </a:bodyPr>
+          <a:lstStyle/>
+          <a:p>
+            <a:pPr fontAlgn="ctr"/>
+            <a:r>
+              <a:rPr lang="en-US" dirty="0" smtClean="0"/>
+              <a:t>Asymmetric encryption is slower than symmetric encryption because of the computationally intensive operations involved. </a:t>
+            </a:r>
+          </a:p>
+          <a:p>
+            <a:pPr fontAlgn="ctr"/>
+            <a:r>
+              <a:rPr lang="en-US" dirty="0" smtClean="0"/>
+              <a:t>Asymmetric encryption is less efficient than symmetric encryption, making it unsuitable for encrypting large amounts of data. </a:t>
+            </a:r>
+          </a:p>
+          <a:p>
+            <a:pPr fontAlgn="ctr"/>
+            <a:r>
+              <a:rPr lang="en-US" dirty="0" smtClean="0"/>
+              <a:t>If the private key is lost, no one can decrypt the information. </a:t>
+            </a:r>
+          </a:p>
+          <a:p>
+            <a:r>
+              <a:rPr lang="en-US" smtClean="0"/>
+              <a:t>All </a:t>
+            </a:r>
+            <a:r>
+              <a:rPr lang="en-US" dirty="0" smtClean="0"/>
+              <a:t>parties must use the same form of encryption to share messages. </a:t>
+            </a:r>
+          </a:p>
+          <a:p>
+            <a:endParaRPr lang="en-US" dirty="0"/>
+          </a:p>
+        </p:txBody>
+      </p:sp>
+    </p:spTree>
+  </p:cSld>
+  <p:clrMapOvr>
+    <a:masterClrMapping/>
+  </p:clrMapOvr>
+</p:sld>
+</file>
+
+<file path=ppt/slides/slide17.xml><?xml version="1.0" encoding="utf-8"?>
 <p:sld xmlns:a="http://schemas.openxmlformats.org/drawingml/2006/main" xmlns:r="http://schemas.openxmlformats.org/officeDocument/2006/relationships" xmlns:p="http://schemas.openxmlformats.org/presentationml/2006/main">
   <p:cSld>
     <p:spTree>
@@ -4687,7 +5520,6 @@
               <a:rPr lang="en-US" dirty="0" smtClean="0"/>
               <a:t>Asymmetric</a:t>
             </a:r>
-            <a:endParaRPr lang="en-US" dirty="0" smtClean="0"/>
           </a:p>
           <a:p>
             <a:endParaRPr lang="en-US" dirty="0" smtClean="0"/>
@@ -4840,13 +5672,8 @@
           <a:p>
             <a:r>
               <a:rPr lang="en-US" dirty="0" smtClean="0"/>
-              <a:t>Symmetric encryption works by creating a single shared </a:t>
-            </a:r>
-            <a:r>
-              <a:rPr lang="en-US" dirty="0" smtClean="0"/>
-              <a:t>key. With the key you can encrypt and decrypt data.</a:t>
-            </a:r>
-            <a:endParaRPr lang="en-US" dirty="0" smtClean="0"/>
+              <a:t>Symmetric encryption works by creating a single shared key. With the key you can encrypt and decrypt data.</a:t>
+            </a:r>
           </a:p>
         </p:txBody>
       </p:sp>
@@ -4911,73 +5738,158 @@
             <p:ph type="title"/>
           </p:nvPr>
         </p:nvSpPr>
-        <p:spPr/>
+        <p:spPr>
+          <a:xfrm>
+            <a:off x="971600" y="620688"/>
+            <a:ext cx="7962088" cy="796950"/>
+          </a:xfrm>
+        </p:spPr>
         <p:txBody>
           <a:bodyPr/>
           <a:lstStyle/>
           <a:p>
             <a:r>
               <a:rPr lang="en-US" dirty="0" smtClean="0"/>
-              <a:t>Pros</a:t>
+              <a:t>Symmetric Encryption in project</a:t>
             </a:r>
             <a:endParaRPr lang="en-US" dirty="0"/>
           </a:p>
         </p:txBody>
       </p:sp>
-      <p:sp>
-        <p:nvSpPr>
-          <p:cNvPr id="3" name="Содержимое 2"/>
-          <p:cNvSpPr>
-            <a:spLocks noGrp="1"/>
-          </p:cNvSpPr>
-          <p:nvPr>
-            <p:ph idx="1"/>
-          </p:nvPr>
+      <p:pic>
+        <p:nvPicPr>
+          <p:cNvPr id="1026" name="Picture 2"/>
+          <p:cNvPicPr>
+            <a:picLocks noChangeAspect="1" noChangeArrowheads="1"/>
+          </p:cNvPicPr>
+          <p:nvPr/>
+        </p:nvPicPr>
+        <p:blipFill>
+          <a:blip r:embed="rId2" cstate="print"/>
+          <a:srcRect/>
+          <a:stretch>
+            <a:fillRect/>
+          </a:stretch>
+        </p:blipFill>
+        <p:spPr bwMode="auto">
+          <a:xfrm>
+            <a:off x="0" y="2225064"/>
+            <a:ext cx="3995936" cy="4145394"/>
+          </a:xfrm>
+          <a:prstGeom prst="rect">
+            <a:avLst/>
+          </a:prstGeom>
+          <a:noFill/>
+          <a:ln w="9525">
+            <a:noFill/>
+            <a:miter lim="800000"/>
+            <a:headEnd/>
+            <a:tailEnd/>
+          </a:ln>
+          <a:effectLst/>
+        </p:spPr>
+      </p:pic>
+      <p:sp>
+        <p:nvSpPr>
+          <p:cNvPr id="7" name="Прямоугольник 6"/>
+          <p:cNvSpPr/>
+          <p:nvPr/>
         </p:nvSpPr>
         <p:spPr>
           <a:xfrm>
-            <a:off x="1043608" y="1447800"/>
-            <a:ext cx="7890080" cy="5410200"/>
-          </a:xfrm>
-        </p:spPr>
-        <p:txBody>
-          <a:bodyPr>
-            <a:normAutofit/>
+            <a:off x="323528" y="1772816"/>
+            <a:ext cx="3888432" cy="369332"/>
+          </a:xfrm>
+          <a:prstGeom prst="rect">
+            <a:avLst/>
+          </a:prstGeom>
+        </p:spPr>
+        <p:txBody>
+          <a:bodyPr wrap="square">
+            <a:spAutoFit/>
           </a:bodyPr>
           <a:lstStyle/>
           <a:p>
-            <a:pPr fontAlgn="ctr"/>
+            <a:r>
+              <a:rPr lang="en-US" dirty="0" smtClean="0">
+                <a:solidFill>
+                  <a:schemeClr val="tx1">
+                    <a:lumMod val="95000"/>
+                    <a:lumOff val="5000"/>
+                  </a:schemeClr>
+                </a:solidFill>
+              </a:rPr>
+              <a:t>Filling the form and submitting</a:t>
+            </a:r>
+            <a:endParaRPr lang="en-US" dirty="0">
+              <a:solidFill>
+                <a:schemeClr val="tx1">
+                  <a:lumMod val="95000"/>
+                  <a:lumOff val="5000"/>
+                </a:schemeClr>
+              </a:solidFill>
+            </a:endParaRPr>
+          </a:p>
+        </p:txBody>
+      </p:sp>
+      <p:pic>
+        <p:nvPicPr>
+          <p:cNvPr id="1028" name="Picture 4"/>
+          <p:cNvPicPr>
+            <a:picLocks noChangeAspect="1" noChangeArrowheads="1"/>
+          </p:cNvPicPr>
+          <p:nvPr/>
+        </p:nvPicPr>
+        <p:blipFill>
+          <a:blip r:embed="rId3" cstate="print"/>
+          <a:srcRect/>
+          <a:stretch>
+            <a:fillRect/>
+          </a:stretch>
+        </p:blipFill>
+        <p:spPr bwMode="auto">
+          <a:xfrm>
+            <a:off x="3995936" y="2564904"/>
+            <a:ext cx="4972719" cy="2805194"/>
+          </a:xfrm>
+          <a:prstGeom prst="rect">
+            <a:avLst/>
+          </a:prstGeom>
+          <a:noFill/>
+          <a:ln w="9525">
+            <a:noFill/>
+            <a:miter lim="800000"/>
+            <a:headEnd/>
+            <a:tailEnd/>
+          </a:ln>
+          <a:effectLst/>
+        </p:spPr>
+      </p:pic>
+      <p:sp>
+        <p:nvSpPr>
+          <p:cNvPr id="9" name="Прямоугольник 8"/>
+          <p:cNvSpPr/>
+          <p:nvPr/>
+        </p:nvSpPr>
+        <p:spPr>
+          <a:xfrm>
+            <a:off x="4499993" y="2204864"/>
+            <a:ext cx="3960440" cy="369332"/>
+          </a:xfrm>
+          <a:prstGeom prst="rect">
+            <a:avLst/>
+          </a:prstGeom>
+        </p:spPr>
+        <p:txBody>
+          <a:bodyPr wrap="square">
+            <a:spAutoFit/>
+          </a:bodyPr>
+          <a:lstStyle/>
+          <a:p>
             <a:r>
               <a:rPr lang="en-US" dirty="0" smtClean="0"/>
-              <a:t>Symmetric </a:t>
-            </a:r>
-            <a:r>
-              <a:rPr lang="en-US" dirty="0" smtClean="0"/>
-              <a:t>encryption is fast and efficient for encrypting large amounts of data, such as files, disks, or databases. </a:t>
-            </a:r>
-          </a:p>
-          <a:p>
-            <a:pPr fontAlgn="ctr"/>
-            <a:r>
-              <a:rPr lang="en-US" dirty="0" smtClean="0"/>
-              <a:t>Symmetric </a:t>
-            </a:r>
-            <a:r>
-              <a:rPr lang="en-US" dirty="0" smtClean="0"/>
-              <a:t>encryption is easy to understand and set up. </a:t>
-            </a:r>
-          </a:p>
-          <a:p>
-            <a:r>
-              <a:rPr lang="en-US" dirty="0" smtClean="0"/>
-              <a:t>Symmetric </a:t>
-            </a:r>
-            <a:r>
-              <a:rPr lang="en-US" dirty="0" smtClean="0"/>
-              <a:t>encryption is widely used in the industry</a:t>
-            </a:r>
-          </a:p>
-          <a:p>
+              <a:t>Receiving the encrypted file and key</a:t>
+            </a:r>
             <a:endParaRPr lang="en-US" dirty="0"/>
           </a:p>
         </p:txBody>
@@ -5017,74 +5929,177 @@
             <p:ph type="title"/>
           </p:nvPr>
         </p:nvSpPr>
-        <p:spPr/>
-        <p:txBody>
-          <a:bodyPr/>
-          <a:lstStyle/>
-          <a:p>
-            <a:r>
-              <a:rPr lang="en-US" dirty="0" smtClean="0"/>
-              <a:t>Cons</a:t>
-            </a:r>
-            <a:endParaRPr lang="en-US" dirty="0"/>
-          </a:p>
-        </p:txBody>
-      </p:sp>
-      <p:sp>
-        <p:nvSpPr>
-          <p:cNvPr id="3" name="Содержимое 2"/>
-          <p:cNvSpPr>
-            <a:spLocks noGrp="1"/>
-          </p:cNvSpPr>
-          <p:nvPr>
-            <p:ph idx="1"/>
-          </p:nvPr>
-        </p:nvSpPr>
         <p:spPr>
           <a:xfrm>
-            <a:off x="1043608" y="1447800"/>
-            <a:ext cx="7890080" cy="5221560"/>
+            <a:off x="1043608" y="274638"/>
+            <a:ext cx="7890080" cy="922114"/>
           </a:xfrm>
         </p:spPr>
         <p:txBody>
           <a:bodyPr>
-            <a:normAutofit lnSpcReduction="10000"/>
+            <a:normAutofit fontScale="90000"/>
           </a:bodyPr>
           <a:lstStyle/>
           <a:p>
-            <a:pPr fontAlgn="ctr"/>
             <a:r>
               <a:rPr lang="en-US" dirty="0" smtClean="0"/>
-              <a:t>The </a:t>
-            </a:r>
-            <a:r>
-              <a:rPr lang="en-US" dirty="0" smtClean="0"/>
-              <a:t>key must be kept secret, and the transmission of the key must be secure. If the key is compromised, all the data encrypted with that key is vulnerable. </a:t>
-            </a:r>
-          </a:p>
-          <a:p>
-            <a:pPr fontAlgn="ctr"/>
-            <a:r>
-              <a:rPr lang="en-US" dirty="0" smtClean="0"/>
-              <a:t>Distributing </a:t>
-            </a:r>
-            <a:r>
-              <a:rPr lang="en-US" dirty="0" smtClean="0"/>
-              <a:t>and managing keys can be challenging, especially for large or dynamic networks. </a:t>
-            </a:r>
-          </a:p>
-          <a:p>
-            <a:r>
-              <a:rPr lang="en-US" dirty="0" smtClean="0"/>
-              <a:t>Symmetric </a:t>
-            </a:r>
-            <a:r>
-              <a:rPr lang="en-US" dirty="0" smtClean="0"/>
-              <a:t>encryption does not verify the identity of the sender or prevent the sender from denying the message. </a:t>
-            </a:r>
-          </a:p>
-          <a:p>
+              <a:t>Symmetric Decryption in project</a:t>
+            </a:r>
             <a:endParaRPr lang="en-US" dirty="0"/>
+          </a:p>
+        </p:txBody>
+      </p:sp>
+      <p:pic>
+        <p:nvPicPr>
+          <p:cNvPr id="2050" name="Picture 2"/>
+          <p:cNvPicPr>
+            <a:picLocks noChangeAspect="1" noChangeArrowheads="1"/>
+          </p:cNvPicPr>
+          <p:nvPr/>
+        </p:nvPicPr>
+        <p:blipFill>
+          <a:blip r:embed="rId2" cstate="print"/>
+          <a:srcRect/>
+          <a:stretch>
+            <a:fillRect/>
+          </a:stretch>
+        </p:blipFill>
+        <p:spPr bwMode="auto">
+          <a:xfrm>
+            <a:off x="107504" y="1940024"/>
+            <a:ext cx="4037514" cy="4917976"/>
+          </a:xfrm>
+          <a:prstGeom prst="rect">
+            <a:avLst/>
+          </a:prstGeom>
+          <a:noFill/>
+          <a:ln w="9525">
+            <a:noFill/>
+            <a:miter lim="800000"/>
+            <a:headEnd/>
+            <a:tailEnd/>
+          </a:ln>
+          <a:effectLst/>
+        </p:spPr>
+      </p:pic>
+      <p:sp>
+        <p:nvSpPr>
+          <p:cNvPr id="5" name="Прямоугольник 4"/>
+          <p:cNvSpPr/>
+          <p:nvPr/>
+        </p:nvSpPr>
+        <p:spPr>
+          <a:xfrm>
+            <a:off x="107504" y="1340768"/>
+            <a:ext cx="4032448" cy="369332"/>
+          </a:xfrm>
+          <a:prstGeom prst="rect">
+            <a:avLst/>
+          </a:prstGeom>
+        </p:spPr>
+        <p:txBody>
+          <a:bodyPr wrap="square">
+            <a:spAutoFit/>
+          </a:bodyPr>
+          <a:lstStyle/>
+          <a:p>
+            <a:pPr algn="ctr"/>
+            <a:r>
+              <a:rPr lang="en-US" dirty="0" smtClean="0">
+                <a:solidFill>
+                  <a:schemeClr val="tx1">
+                    <a:lumMod val="95000"/>
+                    <a:lumOff val="5000"/>
+                  </a:schemeClr>
+                </a:solidFill>
+              </a:rPr>
+              <a:t>Filling the form and submitting</a:t>
+            </a:r>
+            <a:endParaRPr lang="en-US" dirty="0">
+              <a:solidFill>
+                <a:schemeClr val="tx1">
+                  <a:lumMod val="95000"/>
+                  <a:lumOff val="5000"/>
+                </a:schemeClr>
+              </a:solidFill>
+            </a:endParaRPr>
+          </a:p>
+        </p:txBody>
+      </p:sp>
+      <p:pic>
+        <p:nvPicPr>
+          <p:cNvPr id="2052" name="Picture 4"/>
+          <p:cNvPicPr>
+            <a:picLocks noChangeAspect="1" noChangeArrowheads="1"/>
+          </p:cNvPicPr>
+          <p:nvPr/>
+        </p:nvPicPr>
+        <p:blipFill>
+          <a:blip r:embed="rId3" cstate="print"/>
+          <a:srcRect/>
+          <a:stretch>
+            <a:fillRect/>
+          </a:stretch>
+        </p:blipFill>
+        <p:spPr bwMode="auto">
+          <a:xfrm>
+            <a:off x="4572000" y="2204864"/>
+            <a:ext cx="3787775" cy="3871913"/>
+          </a:xfrm>
+          <a:prstGeom prst="rect">
+            <a:avLst/>
+          </a:prstGeom>
+          <a:noFill/>
+          <a:ln w="9525">
+            <a:noFill/>
+            <a:miter lim="800000"/>
+            <a:headEnd/>
+            <a:tailEnd/>
+          </a:ln>
+          <a:effectLst/>
+        </p:spPr>
+      </p:pic>
+      <p:sp>
+        <p:nvSpPr>
+          <p:cNvPr id="8" name="Прямоугольник 7"/>
+          <p:cNvSpPr/>
+          <p:nvPr/>
+        </p:nvSpPr>
+        <p:spPr>
+          <a:xfrm>
+            <a:off x="4919222" y="1556792"/>
+            <a:ext cx="3288080" cy="369332"/>
+          </a:xfrm>
+          <a:prstGeom prst="rect">
+            <a:avLst/>
+          </a:prstGeom>
+        </p:spPr>
+        <p:txBody>
+          <a:bodyPr wrap="none">
+            <a:spAutoFit/>
+          </a:bodyPr>
+          <a:lstStyle/>
+          <a:p>
+            <a:pPr algn="ctr"/>
+            <a:r>
+              <a:rPr lang="en-US" dirty="0" smtClean="0">
+                <a:solidFill>
+                  <a:schemeClr val="tx1">
+                    <a:lumMod val="95000"/>
+                    <a:lumOff val="5000"/>
+                  </a:schemeClr>
+                </a:solidFill>
+              </a:rPr>
+              <a:t>Decrypted file send to the mail</a:t>
+            </a:r>
+            <a:endParaRPr lang="en-US" dirty="0">
+              <a:solidFill>
+                <a:schemeClr val="tx1">
+                  <a:lumMod val="95000"/>
+                  <a:lumOff val="5000"/>
+                </a:schemeClr>
+              </a:solidFill>
+            </a:endParaRPr>
           </a:p>
         </p:txBody>
       </p:sp>
@@ -5130,7 +6145,7 @@
           <a:p>
             <a:r>
               <a:rPr lang="en-US" dirty="0" smtClean="0"/>
-              <a:t>Asymmetric Encryption</a:t>
+              <a:t>Pros</a:t>
             </a:r>
             <a:endParaRPr lang="en-US" dirty="0"/>
           </a:p>
@@ -5153,71 +6168,35 @@
           </a:xfrm>
         </p:spPr>
         <p:txBody>
-          <a:bodyPr/>
+          <a:bodyPr>
+            <a:normAutofit/>
+          </a:bodyPr>
           <a:lstStyle/>
           <a:p>
+            <a:pPr fontAlgn="ctr"/>
             <a:r>
               <a:rPr lang="en-US" dirty="0" smtClean="0"/>
-              <a:t>Asymmetric cryptography, also known as public key cryptography, is a process that uses a pair of </a:t>
-            </a:r>
+              <a:t>Symmetric encryption is fast and efficient for encrypting large amounts of data, such as files, disks, or databases. </a:t>
+            </a:r>
+          </a:p>
+          <a:p>
+            <a:pPr fontAlgn="ctr"/>
             <a:r>
               <a:rPr lang="en-US" dirty="0" smtClean="0"/>
-              <a:t>related keys</a:t>
-            </a:r>
+              <a:t>Symmetric encryption is easy to understand and set up. </a:t>
+            </a:r>
+          </a:p>
+          <a:p>
             <a:r>
               <a:rPr lang="en-US" dirty="0" smtClean="0"/>
-              <a:t> </a:t>
-            </a:r>
-            <a:r>
-              <a:rPr lang="en-US" dirty="0" smtClean="0"/>
-              <a:t>- one </a:t>
-            </a:r>
-            <a:r>
-              <a:rPr lang="en-US" dirty="0" smtClean="0"/>
-              <a:t>public key and one private key </a:t>
-            </a:r>
-            <a:r>
-              <a:rPr lang="en-US" dirty="0" smtClean="0"/>
-              <a:t>– to encrypt</a:t>
-            </a:r>
-            <a:r>
-              <a:rPr lang="en-US" dirty="0" smtClean="0"/>
-              <a:t> and decrypt a </a:t>
-            </a:r>
-            <a:r>
-              <a:rPr lang="en-US" dirty="0" smtClean="0"/>
-              <a:t>data and protect it</a:t>
-            </a:r>
+              <a:t>Symmetric encryption is widely used in the industry</a:t>
+            </a:r>
+          </a:p>
+          <a:p>
             <a:endParaRPr lang="en-US" dirty="0"/>
           </a:p>
         </p:txBody>
       </p:sp>
-      <p:pic>
-        <p:nvPicPr>
-          <p:cNvPr id="5122" name="Picture 2" descr="Symmetric vs. Asymmetric Encryption - What are differences?"/>
-          <p:cNvPicPr>
-            <a:picLocks noChangeAspect="1" noChangeArrowheads="1"/>
-          </p:cNvPicPr>
-          <p:nvPr/>
-        </p:nvPicPr>
-        <p:blipFill>
-          <a:blip r:embed="rId2" cstate="print"/>
-          <a:srcRect/>
-          <a:stretch>
-            <a:fillRect/>
-          </a:stretch>
-        </p:blipFill>
-        <p:spPr bwMode="auto">
-          <a:xfrm>
-            <a:off x="2195736" y="3985368"/>
-            <a:ext cx="5256584" cy="2872632"/>
-          </a:xfrm>
-          <a:prstGeom prst="rect">
-            <a:avLst/>
-          </a:prstGeom>
-          <a:noFill/>
-        </p:spPr>
-      </p:pic>
     </p:spTree>
   </p:cSld>
   <p:clrMapOvr>
@@ -5260,7 +6239,7 @@
           <a:p>
             <a:r>
               <a:rPr lang="en-US" dirty="0" smtClean="0"/>
-              <a:t>How it works</a:t>
+              <a:t>Cons</a:t>
             </a:r>
             <a:endParaRPr lang="en-US" dirty="0"/>
           </a:p>
@@ -5268,7 +6247,7 @@
       </p:sp>
       <p:sp>
         <p:nvSpPr>
-          <p:cNvPr id="4" name="Содержимое 3"/>
+          <p:cNvPr id="3" name="Содержимое 2"/>
           <p:cNvSpPr>
             <a:spLocks noGrp="1"/>
           </p:cNvSpPr>
@@ -5279,17 +6258,35 @@
         <p:spPr>
           <a:xfrm>
             <a:off x="1043608" y="1447800"/>
-            <a:ext cx="7890080" cy="4800600"/>
-          </a:xfrm>
-        </p:spPr>
-        <p:txBody>
-          <a:bodyPr/>
+            <a:ext cx="7890080" cy="5221560"/>
+          </a:xfrm>
+        </p:spPr>
+        <p:txBody>
+          <a:bodyPr>
+            <a:normAutofit lnSpcReduction="10000"/>
+          </a:bodyPr>
           <a:lstStyle/>
           <a:p>
+            <a:pPr fontAlgn="ctr"/>
             <a:r>
               <a:rPr lang="en-US" dirty="0" smtClean="0"/>
-              <a:t>Keys in Asymmetric encryption are mathematically related. If you encrypt data with public key X, it means you can decrypt data ONLY with private key X.</a:t>
-            </a:r>
+              <a:t>The key must be kept secret, and the transmission of the key must be secure. If the key is compromised, all the data encrypted with that key is vulnerable. </a:t>
+            </a:r>
+          </a:p>
+          <a:p>
+            <a:pPr fontAlgn="ctr"/>
+            <a:r>
+              <a:rPr lang="en-US" dirty="0" smtClean="0"/>
+              <a:t>Distributing and managing keys can be challenging, especially for large or dynamic networks. </a:t>
+            </a:r>
+          </a:p>
+          <a:p>
+            <a:r>
+              <a:rPr lang="en-US" dirty="0" smtClean="0"/>
+              <a:t>Symmetric encryption does not verify the identity of the sender or prevent the sender from denying the message. </a:t>
+            </a:r>
+          </a:p>
+          <a:p>
             <a:endParaRPr lang="en-US" dirty="0"/>
           </a:p>
         </p:txBody>

--- a/presentation.pptx
+++ b/presentation.pptx
@@ -6,22 +6,23 @@
   </p:sldMasterIdLst>
   <p:sldIdLst>
     <p:sldId id="256" r:id="rId2"/>
-    <p:sldId id="258" r:id="rId3"/>
-    <p:sldId id="257" r:id="rId4"/>
-    <p:sldId id="267" r:id="rId5"/>
-    <p:sldId id="259" r:id="rId6"/>
-    <p:sldId id="268" r:id="rId7"/>
-    <p:sldId id="269" r:id="rId8"/>
-    <p:sldId id="260" r:id="rId9"/>
-    <p:sldId id="261" r:id="rId10"/>
-    <p:sldId id="262" r:id="rId11"/>
-    <p:sldId id="263" r:id="rId12"/>
-    <p:sldId id="270" r:id="rId13"/>
-    <p:sldId id="272" r:id="rId14"/>
-    <p:sldId id="271" r:id="rId15"/>
-    <p:sldId id="264" r:id="rId16"/>
-    <p:sldId id="265" r:id="rId17"/>
-    <p:sldId id="266" r:id="rId18"/>
+    <p:sldId id="273" r:id="rId3"/>
+    <p:sldId id="258" r:id="rId4"/>
+    <p:sldId id="257" r:id="rId5"/>
+    <p:sldId id="267" r:id="rId6"/>
+    <p:sldId id="259" r:id="rId7"/>
+    <p:sldId id="268" r:id="rId8"/>
+    <p:sldId id="269" r:id="rId9"/>
+    <p:sldId id="260" r:id="rId10"/>
+    <p:sldId id="261" r:id="rId11"/>
+    <p:sldId id="262" r:id="rId12"/>
+    <p:sldId id="263" r:id="rId13"/>
+    <p:sldId id="270" r:id="rId14"/>
+    <p:sldId id="272" r:id="rId15"/>
+    <p:sldId id="271" r:id="rId16"/>
+    <p:sldId id="264" r:id="rId17"/>
+    <p:sldId id="265" r:id="rId18"/>
+    <p:sldId id="266" r:id="rId19"/>
   </p:sldIdLst>
   <p:sldSz cx="9144000" cy="6858000" type="screen4x3"/>
   <p:notesSz cx="6858000" cy="9144000"/>
@@ -258,7 +259,7 @@
             <a:fld id="{5B106E36-FD25-4E2D-B0AA-010F637433A0}" type="datetimeFigureOut">
               <a:rPr lang="ru-RU" smtClean="0"/>
               <a:pPr/>
-              <a:t>19.11.2024</a:t>
+              <a:t>27.11.2024</a:t>
             </a:fld>
             <a:endParaRPr lang="ru-RU"/>
           </a:p>
@@ -573,7 +574,7 @@
             <a:fld id="{5B106E36-FD25-4E2D-B0AA-010F637433A0}" type="datetimeFigureOut">
               <a:rPr lang="ru-RU" smtClean="0"/>
               <a:pPr/>
-              <a:t>19.11.2024</a:t>
+              <a:t>27.11.2024</a:t>
             </a:fld>
             <a:endParaRPr lang="ru-RU"/>
           </a:p>
@@ -760,7 +761,7 @@
             <a:fld id="{5B106E36-FD25-4E2D-B0AA-010F637433A0}" type="datetimeFigureOut">
               <a:rPr lang="ru-RU" smtClean="0"/>
               <a:pPr/>
-              <a:t>19.11.2024</a:t>
+              <a:t>27.11.2024</a:t>
             </a:fld>
             <a:endParaRPr lang="ru-RU"/>
           </a:p>
@@ -937,7 +938,7 @@
             <a:fld id="{5B106E36-FD25-4E2D-B0AA-010F637433A0}" type="datetimeFigureOut">
               <a:rPr lang="ru-RU" smtClean="0"/>
               <a:pPr/>
-              <a:t>19.11.2024</a:t>
+              <a:t>27.11.2024</a:t>
             </a:fld>
             <a:endParaRPr lang="ru-RU"/>
           </a:p>
@@ -1207,7 +1208,7 @@
             <a:fld id="{5B106E36-FD25-4E2D-B0AA-010F637433A0}" type="datetimeFigureOut">
               <a:rPr lang="ru-RU" smtClean="0"/>
               <a:pPr/>
-              <a:t>19.11.2024</a:t>
+              <a:t>27.11.2024</a:t>
             </a:fld>
             <a:endParaRPr lang="ru-RU"/>
           </a:p>
@@ -1677,7 +1678,7 @@
             <a:fld id="{5B106E36-FD25-4E2D-B0AA-010F637433A0}" type="datetimeFigureOut">
               <a:rPr lang="ru-RU" smtClean="0"/>
               <a:pPr/>
-              <a:t>19.11.2024</a:t>
+              <a:t>27.11.2024</a:t>
             </a:fld>
             <a:endParaRPr lang="ru-RU"/>
           </a:p>
@@ -2168,7 +2169,7 @@
             <a:fld id="{5B106E36-FD25-4E2D-B0AA-010F637433A0}" type="datetimeFigureOut">
               <a:rPr lang="ru-RU" smtClean="0"/>
               <a:pPr/>
-              <a:t>19.11.2024</a:t>
+              <a:t>27.11.2024</a:t>
             </a:fld>
             <a:endParaRPr lang="ru-RU"/>
           </a:p>
@@ -2296,7 +2297,7 @@
             <a:fld id="{5B106E36-FD25-4E2D-B0AA-010F637433A0}" type="datetimeFigureOut">
               <a:rPr lang="ru-RU" smtClean="0"/>
               <a:pPr/>
-              <a:t>19.11.2024</a:t>
+              <a:t>27.11.2024</a:t>
             </a:fld>
             <a:endParaRPr lang="ru-RU"/>
           </a:p>
@@ -2442,7 +2443,7 @@
             <a:fld id="{5B106E36-FD25-4E2D-B0AA-010F637433A0}" type="datetimeFigureOut">
               <a:rPr lang="ru-RU" smtClean="0"/>
               <a:pPr/>
-              <a:t>19.11.2024</a:t>
+              <a:t>27.11.2024</a:t>
             </a:fld>
             <a:endParaRPr lang="ru-RU"/>
           </a:p>
@@ -2766,7 +2767,7 @@
             <a:fld id="{5B106E36-FD25-4E2D-B0AA-010F637433A0}" type="datetimeFigureOut">
               <a:rPr lang="ru-RU" smtClean="0"/>
               <a:pPr/>
-              <a:t>19.11.2024</a:t>
+              <a:t>27.11.2024</a:t>
             </a:fld>
             <a:endParaRPr lang="ru-RU"/>
           </a:p>
@@ -2902,7 +2903,7 @@
             <a:fld id="{5B106E36-FD25-4E2D-B0AA-010F637433A0}" type="datetimeFigureOut">
               <a:rPr lang="ru-RU" smtClean="0"/>
               <a:pPr/>
-              <a:t>19.11.2024</a:t>
+              <a:t>27.11.2024</a:t>
             </a:fld>
             <a:endParaRPr lang="ru-RU"/>
           </a:p>
@@ -3685,7 +3686,7 @@
             <a:fld id="{5B106E36-FD25-4E2D-B0AA-010F637433A0}" type="datetimeFigureOut">
               <a:rPr lang="ru-RU" smtClean="0"/>
               <a:pPr/>
-              <a:t>19.11.2024</a:t>
+              <a:t>27.11.2024</a:t>
             </a:fld>
             <a:endParaRPr lang="ru-RU"/>
           </a:p>
@@ -4199,7 +4200,11 @@
           <a:p>
             <a:r>
               <a:rPr lang="en-US" dirty="0" smtClean="0"/>
-              <a:t>Encryption Project</a:t>
+              <a:t>Encrypted </a:t>
+            </a:r>
+            <a:r>
+              <a:rPr lang="en-US" dirty="0" smtClean="0"/>
+              <a:t>Project</a:t>
             </a:r>
             <a:endParaRPr lang="en-US" dirty="0"/>
           </a:p>
@@ -4278,7 +4283,7 @@
           <a:p>
             <a:r>
               <a:rPr lang="en-US" dirty="0" smtClean="0"/>
-              <a:t>Asymmetric Encryption</a:t>
+              <a:t>Cons</a:t>
             </a:r>
             <a:endParaRPr lang="en-US" dirty="0"/>
           </a:p>
@@ -4297,47 +4302,39 @@
         <p:spPr>
           <a:xfrm>
             <a:off x="1043608" y="1447800"/>
-            <a:ext cx="7890080" cy="5410200"/>
-          </a:xfrm>
-        </p:spPr>
-        <p:txBody>
-          <a:bodyPr/>
+            <a:ext cx="7890080" cy="5221560"/>
+          </a:xfrm>
+        </p:spPr>
+        <p:txBody>
+          <a:bodyPr>
+            <a:normAutofit lnSpcReduction="10000"/>
+          </a:bodyPr>
           <a:lstStyle/>
           <a:p>
+            <a:pPr fontAlgn="ctr"/>
             <a:r>
               <a:rPr lang="en-US" dirty="0" smtClean="0"/>
-              <a:t>Asymmetric cryptography, also known as public key cryptography, is a process that uses a pair of related keys - one public key and one private key – to encrypt and decrypt a data and protect it</a:t>
-            </a:r>
+              <a:t>The key must be kept secret, and the transmission of the key must be secure. If the key is compromised, all the data encrypted with that key is vulnerable. </a:t>
+            </a:r>
+          </a:p>
+          <a:p>
+            <a:pPr fontAlgn="ctr"/>
+            <a:r>
+              <a:rPr lang="en-US" dirty="0" smtClean="0"/>
+              <a:t>Distributing and managing keys can be challenging, especially for large or dynamic networks. </a:t>
+            </a:r>
+          </a:p>
+          <a:p>
+            <a:r>
+              <a:rPr lang="en-US" dirty="0" smtClean="0"/>
+              <a:t>Symmetric encryption does not verify the identity of the sender or prevent the sender from denying the message. </a:t>
+            </a:r>
+          </a:p>
+          <a:p>
             <a:endParaRPr lang="en-US" dirty="0"/>
           </a:p>
         </p:txBody>
       </p:sp>
-      <p:pic>
-        <p:nvPicPr>
-          <p:cNvPr id="5122" name="Picture 2" descr="Symmetric vs. Asymmetric Encryption - What are differences?"/>
-          <p:cNvPicPr>
-            <a:picLocks noChangeAspect="1" noChangeArrowheads="1"/>
-          </p:cNvPicPr>
-          <p:nvPr/>
-        </p:nvPicPr>
-        <p:blipFill>
-          <a:blip r:embed="rId2" cstate="print"/>
-          <a:srcRect/>
-          <a:stretch>
-            <a:fillRect/>
-          </a:stretch>
-        </p:blipFill>
-        <p:spPr bwMode="auto">
-          <a:xfrm>
-            <a:off x="2195736" y="3985368"/>
-            <a:ext cx="5256584" cy="2872632"/>
-          </a:xfrm>
-          <a:prstGeom prst="rect">
-            <a:avLst/>
-          </a:prstGeom>
-          <a:noFill/>
-        </p:spPr>
-      </p:pic>
     </p:spTree>
   </p:cSld>
   <p:clrMapOvr>
@@ -4380,7 +4377,7 @@
           <a:p>
             <a:r>
               <a:rPr lang="en-US" dirty="0" smtClean="0"/>
-              <a:t>How it works</a:t>
+              <a:t>Asymmetric Encryption</a:t>
             </a:r>
             <a:endParaRPr lang="en-US" dirty="0"/>
           </a:p>
@@ -4388,7 +4385,7 @@
       </p:sp>
       <p:sp>
         <p:nvSpPr>
-          <p:cNvPr id="4" name="Содержимое 3"/>
+          <p:cNvPr id="3" name="Содержимое 2"/>
           <p:cNvSpPr>
             <a:spLocks noGrp="1"/>
           </p:cNvSpPr>
@@ -4399,7 +4396,7 @@
         <p:spPr>
           <a:xfrm>
             <a:off x="1043608" y="1447800"/>
-            <a:ext cx="7890080" cy="4800600"/>
+            <a:ext cx="7890080" cy="5410200"/>
           </a:xfrm>
         </p:spPr>
         <p:txBody>
@@ -4408,12 +4405,38 @@
           <a:p>
             <a:r>
               <a:rPr lang="en-US" dirty="0" smtClean="0"/>
-              <a:t>Keys in Asymmetric encryption are mathematically related. If you encrypt data with public key X, it means you can decrypt data ONLY with private key X.</a:t>
+              <a:t>Asymmetric cryptography, also known as public key cryptography, is a process that uses a pair of related keys - one public key and one private key – to encrypt and decrypt a data and protect it</a:t>
             </a:r>
             <a:endParaRPr lang="en-US" dirty="0"/>
           </a:p>
         </p:txBody>
       </p:sp>
+      <p:pic>
+        <p:nvPicPr>
+          <p:cNvPr id="5122" name="Picture 2" descr="Symmetric vs. Asymmetric Encryption - What are differences?"/>
+          <p:cNvPicPr>
+            <a:picLocks noChangeAspect="1" noChangeArrowheads="1"/>
+          </p:cNvPicPr>
+          <p:nvPr/>
+        </p:nvPicPr>
+        <p:blipFill>
+          <a:blip r:embed="rId2" cstate="print"/>
+          <a:srcRect/>
+          <a:stretch>
+            <a:fillRect/>
+          </a:stretch>
+        </p:blipFill>
+        <p:spPr bwMode="auto">
+          <a:xfrm>
+            <a:off x="2195736" y="3985368"/>
+            <a:ext cx="5256584" cy="2872632"/>
+          </a:xfrm>
+          <a:prstGeom prst="rect">
+            <a:avLst/>
+          </a:prstGeom>
+          <a:noFill/>
+        </p:spPr>
+      </p:pic>
     </p:spTree>
   </p:cSld>
   <p:clrMapOvr>
@@ -4449,6 +4472,82 @@
             <p:ph type="title"/>
           </p:nvPr>
         </p:nvSpPr>
+        <p:spPr/>
+        <p:txBody>
+          <a:bodyPr/>
+          <a:lstStyle/>
+          <a:p>
+            <a:r>
+              <a:rPr lang="en-US" dirty="0" smtClean="0"/>
+              <a:t>How it works</a:t>
+            </a:r>
+            <a:endParaRPr lang="en-US" dirty="0"/>
+          </a:p>
+        </p:txBody>
+      </p:sp>
+      <p:sp>
+        <p:nvSpPr>
+          <p:cNvPr id="4" name="Содержимое 3"/>
+          <p:cNvSpPr>
+            <a:spLocks noGrp="1"/>
+          </p:cNvSpPr>
+          <p:nvPr>
+            <p:ph idx="1"/>
+          </p:nvPr>
+        </p:nvSpPr>
+        <p:spPr>
+          <a:xfrm>
+            <a:off x="1043608" y="1447800"/>
+            <a:ext cx="7890080" cy="4800600"/>
+          </a:xfrm>
+        </p:spPr>
+        <p:txBody>
+          <a:bodyPr/>
+          <a:lstStyle/>
+          <a:p>
+            <a:r>
+              <a:rPr lang="en-US" dirty="0" smtClean="0"/>
+              <a:t>Keys in Asymmetric encryption are mathematically related. If you encrypt data with public key X, it means you can decrypt data ONLY with private key X.</a:t>
+            </a:r>
+            <a:endParaRPr lang="en-US" dirty="0"/>
+          </a:p>
+        </p:txBody>
+      </p:sp>
+    </p:spTree>
+  </p:cSld>
+  <p:clrMapOvr>
+    <a:masterClrMapping/>
+  </p:clrMapOvr>
+</p:sld>
+</file>
+
+<file path=ppt/slides/slide13.xml><?xml version="1.0" encoding="utf-8"?>
+<p:sld xmlns:a="http://schemas.openxmlformats.org/drawingml/2006/main" xmlns:r="http://schemas.openxmlformats.org/officeDocument/2006/relationships" xmlns:p="http://schemas.openxmlformats.org/presentationml/2006/main">
+  <p:cSld>
+    <p:spTree>
+      <p:nvGrpSpPr>
+        <p:cNvPr id="1" name=""/>
+        <p:cNvGrpSpPr/>
+        <p:nvPr/>
+      </p:nvGrpSpPr>
+      <p:grpSpPr>
+        <a:xfrm>
+          <a:off x="0" y="0"/>
+          <a:ext cx="0" cy="0"/>
+          <a:chOff x="0" y="0"/>
+          <a:chExt cx="0" cy="0"/>
+        </a:xfrm>
+      </p:grpSpPr>
+      <p:sp>
+        <p:nvSpPr>
+          <p:cNvPr id="2" name="Заголовок 1"/>
+          <p:cNvSpPr>
+            <a:spLocks noGrp="1"/>
+          </p:cNvSpPr>
+          <p:nvPr>
+            <p:ph type="title"/>
+          </p:nvPr>
+        </p:nvSpPr>
         <p:spPr>
           <a:xfrm>
             <a:off x="1043608" y="274638"/>
@@ -4463,11 +4562,7 @@
           <a:p>
             <a:r>
               <a:rPr lang="en-US" dirty="0" smtClean="0"/>
-              <a:t>Asymmetric </a:t>
-            </a:r>
-            <a:r>
-              <a:rPr lang="en-US" dirty="0" smtClean="0"/>
-              <a:t>Encryption in project</a:t>
+              <a:t>Asymmetric Encryption in project</a:t>
             </a:r>
             <a:endParaRPr lang="en-US" dirty="0"/>
           </a:p>
@@ -4537,18 +4632,7 @@
                   </a:schemeClr>
                 </a:solidFill>
               </a:rPr>
-              <a:t>Filling the form and </a:t>
-            </a:r>
-            <a:r>
-              <a:rPr lang="en-US" dirty="0" smtClean="0">
-                <a:solidFill>
-                  <a:schemeClr val="tx1">
-                    <a:lumMod val="95000"/>
-                    <a:lumOff val="5000"/>
-                  </a:schemeClr>
-                </a:solidFill>
-              </a:rPr>
-              <a:t>submitting without key</a:t>
+              <a:t>Filling the form and submitting without key</a:t>
             </a:r>
             <a:endParaRPr lang="en-US" dirty="0">
               <a:solidFill>
@@ -4646,7 +4730,7 @@
 </p:sld>
 </file>
 
-<file path=ppt/slides/slide13.xml><?xml version="1.0" encoding="utf-8"?>
+<file path=ppt/slides/slide14.xml><?xml version="1.0" encoding="utf-8"?>
 <p:sld xmlns:a="http://schemas.openxmlformats.org/drawingml/2006/main" xmlns:r="http://schemas.openxmlformats.org/officeDocument/2006/relationships" xmlns:p="http://schemas.openxmlformats.org/presentationml/2006/main">
   <p:cSld>
     <p:spTree>
@@ -4727,29 +4811,7 @@
                   </a:schemeClr>
                 </a:solidFill>
               </a:rPr>
-              <a:t>Filling the form and submitting </a:t>
-            </a:r>
-            <a:r>
-              <a:rPr lang="en-US" dirty="0" smtClean="0">
-                <a:solidFill>
-                  <a:schemeClr val="tx1">
-                    <a:lumMod val="95000"/>
-                    <a:lumOff val="5000"/>
-                  </a:schemeClr>
-                </a:solidFill>
-              </a:rPr>
-              <a:t>with </a:t>
-            </a:r>
-            <a:r>
-              <a:rPr lang="en-US" dirty="0" smtClean="0">
-                <a:solidFill>
-                  <a:schemeClr val="tx1">
-                    <a:lumMod val="95000"/>
-                    <a:lumOff val="5000"/>
-                  </a:schemeClr>
-                </a:solidFill>
-              </a:rPr>
-              <a:t>key</a:t>
+              <a:t>Filling the form and submitting with key</a:t>
             </a:r>
             <a:endParaRPr lang="en-US" dirty="0">
               <a:solidFill>
@@ -4826,253 +4888,7 @@
                   </a:schemeClr>
                 </a:solidFill>
               </a:rPr>
-              <a:t>Encrypted file </a:t>
-            </a:r>
-            <a:r>
-              <a:rPr lang="en-US" dirty="0" smtClean="0">
-                <a:solidFill>
-                  <a:schemeClr val="tx1">
-                    <a:lumMod val="95000"/>
-                    <a:lumOff val="5000"/>
-                  </a:schemeClr>
-                </a:solidFill>
-              </a:rPr>
-              <a:t>send </a:t>
-            </a:r>
-            <a:r>
-              <a:rPr lang="en-US" dirty="0" smtClean="0">
-                <a:solidFill>
-                  <a:schemeClr val="tx1">
-                    <a:lumMod val="95000"/>
-                    <a:lumOff val="5000"/>
-                  </a:schemeClr>
-                </a:solidFill>
-              </a:rPr>
-              <a:t>to mail</a:t>
-            </a:r>
-            <a:endParaRPr lang="en-US" dirty="0">
-              <a:solidFill>
-                <a:schemeClr val="tx1">
-                  <a:lumMod val="95000"/>
-                  <a:lumOff val="5000"/>
-                </a:schemeClr>
-              </a:solidFill>
-            </a:endParaRPr>
-          </a:p>
-        </p:txBody>
-      </p:sp>
-    </p:spTree>
-  </p:cSld>
-  <p:clrMapOvr>
-    <a:masterClrMapping/>
-  </p:clrMapOvr>
-</p:sld>
-</file>
-
-<file path=ppt/slides/slide14.xml><?xml version="1.0" encoding="utf-8"?>
-<p:sld xmlns:a="http://schemas.openxmlformats.org/drawingml/2006/main" xmlns:r="http://schemas.openxmlformats.org/officeDocument/2006/relationships" xmlns:p="http://schemas.openxmlformats.org/presentationml/2006/main">
-  <p:cSld>
-    <p:spTree>
-      <p:nvGrpSpPr>
-        <p:cNvPr id="1" name=""/>
-        <p:cNvGrpSpPr/>
-        <p:nvPr/>
-      </p:nvGrpSpPr>
-      <p:grpSpPr>
-        <a:xfrm>
-          <a:off x="0" y="0"/>
-          <a:ext cx="0" cy="0"/>
-          <a:chOff x="0" y="0"/>
-          <a:chExt cx="0" cy="0"/>
-        </a:xfrm>
-      </p:grpSpPr>
-      <p:sp>
-        <p:nvSpPr>
-          <p:cNvPr id="2" name="Заголовок 1"/>
-          <p:cNvSpPr>
-            <a:spLocks noGrp="1"/>
-          </p:cNvSpPr>
-          <p:nvPr>
-            <p:ph type="title"/>
-          </p:nvPr>
-        </p:nvSpPr>
-        <p:spPr>
-          <a:xfrm>
-            <a:off x="1043608" y="274638"/>
-            <a:ext cx="7890080" cy="1143000"/>
-          </a:xfrm>
-        </p:spPr>
-        <p:txBody>
-          <a:bodyPr>
-            <a:normAutofit fontScale="90000"/>
-          </a:bodyPr>
-          <a:lstStyle/>
-          <a:p>
-            <a:r>
-              <a:rPr lang="en-US" dirty="0" smtClean="0"/>
-              <a:t>Asymmetric </a:t>
-            </a:r>
-            <a:r>
-              <a:rPr lang="en-US" dirty="0" smtClean="0"/>
-              <a:t>Decryption in project</a:t>
-            </a:r>
-            <a:endParaRPr lang="en-US" dirty="0"/>
-          </a:p>
-        </p:txBody>
-      </p:sp>
-      <p:pic>
-        <p:nvPicPr>
-          <p:cNvPr id="5122" name="Picture 2"/>
-          <p:cNvPicPr>
-            <a:picLocks noChangeAspect="1" noChangeArrowheads="1"/>
-          </p:cNvPicPr>
-          <p:nvPr/>
-        </p:nvPicPr>
-        <p:blipFill>
-          <a:blip r:embed="rId2" cstate="print"/>
-          <a:srcRect/>
-          <a:stretch>
-            <a:fillRect/>
-          </a:stretch>
-        </p:blipFill>
-        <p:spPr bwMode="auto">
-          <a:xfrm>
-            <a:off x="0" y="2196763"/>
-            <a:ext cx="3635896" cy="4661237"/>
-          </a:xfrm>
-          <a:prstGeom prst="rect">
-            <a:avLst/>
-          </a:prstGeom>
-          <a:noFill/>
-          <a:ln w="9525">
-            <a:noFill/>
-            <a:miter lim="800000"/>
-            <a:headEnd/>
-            <a:tailEnd/>
-          </a:ln>
-          <a:effectLst/>
-        </p:spPr>
-      </p:pic>
-      <p:sp>
-        <p:nvSpPr>
-          <p:cNvPr id="5" name="Прямоугольник 4"/>
-          <p:cNvSpPr/>
-          <p:nvPr/>
-        </p:nvSpPr>
-        <p:spPr>
-          <a:xfrm>
-            <a:off x="0" y="1700808"/>
-            <a:ext cx="3635896" cy="369332"/>
-          </a:xfrm>
-          <a:prstGeom prst="rect">
-            <a:avLst/>
-          </a:prstGeom>
-        </p:spPr>
-        <p:txBody>
-          <a:bodyPr wrap="square">
-            <a:spAutoFit/>
-          </a:bodyPr>
-          <a:lstStyle/>
-          <a:p>
-            <a:pPr algn="ctr"/>
-            <a:r>
-              <a:rPr lang="en-US" dirty="0" smtClean="0">
-                <a:solidFill>
-                  <a:schemeClr val="tx1">
-                    <a:lumMod val="95000"/>
-                    <a:lumOff val="5000"/>
-                  </a:schemeClr>
-                </a:solidFill>
-              </a:rPr>
-              <a:t>Filling the form and submitting </a:t>
-            </a:r>
-            <a:endParaRPr lang="en-US" dirty="0">
-              <a:solidFill>
-                <a:schemeClr val="tx1">
-                  <a:lumMod val="95000"/>
-                  <a:lumOff val="5000"/>
-                </a:schemeClr>
-              </a:solidFill>
-            </a:endParaRPr>
-          </a:p>
-        </p:txBody>
-      </p:sp>
-      <p:pic>
-        <p:nvPicPr>
-          <p:cNvPr id="5123" name="Picture 3"/>
-          <p:cNvPicPr>
-            <a:picLocks noChangeAspect="1" noChangeArrowheads="1"/>
-          </p:cNvPicPr>
-          <p:nvPr/>
-        </p:nvPicPr>
-        <p:blipFill>
-          <a:blip r:embed="rId3" cstate="print"/>
-          <a:srcRect/>
-          <a:stretch>
-            <a:fillRect/>
-          </a:stretch>
-        </p:blipFill>
-        <p:spPr bwMode="auto">
-          <a:xfrm>
-            <a:off x="3995936" y="3212976"/>
-            <a:ext cx="4694237" cy="2225675"/>
-          </a:xfrm>
-          <a:prstGeom prst="rect">
-            <a:avLst/>
-          </a:prstGeom>
-          <a:noFill/>
-          <a:ln w="9525">
-            <a:noFill/>
-            <a:miter lim="800000"/>
-            <a:headEnd/>
-            <a:tailEnd/>
-          </a:ln>
-          <a:effectLst/>
-        </p:spPr>
-      </p:pic>
-      <p:sp>
-        <p:nvSpPr>
-          <p:cNvPr id="7" name="Прямоугольник 6"/>
-          <p:cNvSpPr/>
-          <p:nvPr/>
-        </p:nvSpPr>
-        <p:spPr>
-          <a:xfrm>
-            <a:off x="4716016" y="2924944"/>
-            <a:ext cx="2903359" cy="369332"/>
-          </a:xfrm>
-          <a:prstGeom prst="rect">
-            <a:avLst/>
-          </a:prstGeom>
-        </p:spPr>
-        <p:txBody>
-          <a:bodyPr wrap="none">
-            <a:spAutoFit/>
-          </a:bodyPr>
-          <a:lstStyle/>
-          <a:p>
-            <a:pPr algn="ctr"/>
-            <a:r>
-              <a:rPr lang="en-US" dirty="0" smtClean="0">
-                <a:solidFill>
-                  <a:schemeClr val="tx1">
-                    <a:lumMod val="95000"/>
-                    <a:lumOff val="5000"/>
-                  </a:schemeClr>
-                </a:solidFill>
-              </a:rPr>
-              <a:t>Decrypted </a:t>
-            </a:r>
-            <a:r>
-              <a:rPr lang="en-US" dirty="0" smtClean="0">
-                <a:solidFill>
-                  <a:schemeClr val="tx1">
-                    <a:lumMod val="95000"/>
-                    <a:lumOff val="5000"/>
-                  </a:schemeClr>
-                </a:solidFill>
-              </a:rPr>
-              <a:t>file send to mail</a:t>
+              <a:t>Encrypted file send to mail</a:t>
             </a:r>
             <a:endParaRPr lang="en-US" dirty="0">
               <a:solidFill>
@@ -5120,63 +4936,177 @@
             <p:ph type="title"/>
           </p:nvPr>
         </p:nvSpPr>
-        <p:spPr/>
-        <p:txBody>
-          <a:bodyPr/>
-          <a:lstStyle/>
-          <a:p>
-            <a:r>
-              <a:rPr lang="en-US" dirty="0" smtClean="0"/>
-              <a:t>Pros</a:t>
-            </a:r>
-            <a:endParaRPr lang="en-US" dirty="0"/>
-          </a:p>
-        </p:txBody>
-      </p:sp>
-      <p:sp>
-        <p:nvSpPr>
-          <p:cNvPr id="3" name="Содержимое 2"/>
-          <p:cNvSpPr>
-            <a:spLocks noGrp="1"/>
-          </p:cNvSpPr>
-          <p:nvPr>
-            <p:ph idx="1"/>
-          </p:nvPr>
-        </p:nvSpPr>
         <p:spPr>
           <a:xfrm>
-            <a:off x="1043608" y="1447800"/>
-            <a:ext cx="7890080" cy="5410200"/>
+            <a:off x="1043608" y="274638"/>
+            <a:ext cx="7890080" cy="1143000"/>
           </a:xfrm>
         </p:spPr>
         <p:txBody>
           <a:bodyPr>
-            <a:normAutofit/>
+            <a:normAutofit fontScale="90000"/>
           </a:bodyPr>
           <a:lstStyle/>
           <a:p>
-            <a:pPr fontAlgn="ctr"/>
             <a:r>
               <a:rPr lang="en-US" dirty="0" smtClean="0"/>
-              <a:t>Asymmetric encryption offers more information security. </a:t>
-            </a:r>
-          </a:p>
-          <a:p>
-            <a:pPr fontAlgn="ctr"/>
-            <a:r>
-              <a:rPr lang="en-US" dirty="0" smtClean="0"/>
-              <a:t>The recipient can verify the origin of a message, making it easier to avoid messages from unknown senders. </a:t>
-            </a:r>
-          </a:p>
-          <a:p>
-            <a:pPr fontAlgn="ctr"/>
-            <a:r>
-              <a:rPr lang="en-US" dirty="0" smtClean="0"/>
-              <a:t>Asymmetric encryption creates security signatures that allow users to authenticate documents. </a:t>
-            </a:r>
-          </a:p>
-          <a:p>
+              <a:t>Asymmetric Decryption in project</a:t>
+            </a:r>
             <a:endParaRPr lang="en-US" dirty="0"/>
+          </a:p>
+        </p:txBody>
+      </p:sp>
+      <p:pic>
+        <p:nvPicPr>
+          <p:cNvPr id="5122" name="Picture 2"/>
+          <p:cNvPicPr>
+            <a:picLocks noChangeAspect="1" noChangeArrowheads="1"/>
+          </p:cNvPicPr>
+          <p:nvPr/>
+        </p:nvPicPr>
+        <p:blipFill>
+          <a:blip r:embed="rId2" cstate="print"/>
+          <a:srcRect/>
+          <a:stretch>
+            <a:fillRect/>
+          </a:stretch>
+        </p:blipFill>
+        <p:spPr bwMode="auto">
+          <a:xfrm>
+            <a:off x="0" y="2196763"/>
+            <a:ext cx="3635896" cy="4661237"/>
+          </a:xfrm>
+          <a:prstGeom prst="rect">
+            <a:avLst/>
+          </a:prstGeom>
+          <a:noFill/>
+          <a:ln w="9525">
+            <a:noFill/>
+            <a:miter lim="800000"/>
+            <a:headEnd/>
+            <a:tailEnd/>
+          </a:ln>
+          <a:effectLst/>
+        </p:spPr>
+      </p:pic>
+      <p:sp>
+        <p:nvSpPr>
+          <p:cNvPr id="5" name="Прямоугольник 4"/>
+          <p:cNvSpPr/>
+          <p:nvPr/>
+        </p:nvSpPr>
+        <p:spPr>
+          <a:xfrm>
+            <a:off x="0" y="1700808"/>
+            <a:ext cx="3635896" cy="369332"/>
+          </a:xfrm>
+          <a:prstGeom prst="rect">
+            <a:avLst/>
+          </a:prstGeom>
+        </p:spPr>
+        <p:txBody>
+          <a:bodyPr wrap="square">
+            <a:spAutoFit/>
+          </a:bodyPr>
+          <a:lstStyle/>
+          <a:p>
+            <a:pPr algn="ctr"/>
+            <a:r>
+              <a:rPr lang="en-US" dirty="0" smtClean="0">
+                <a:solidFill>
+                  <a:schemeClr val="tx1">
+                    <a:lumMod val="95000"/>
+                    <a:lumOff val="5000"/>
+                  </a:schemeClr>
+                </a:solidFill>
+              </a:rPr>
+              <a:t>Filling the form and submitting </a:t>
+            </a:r>
+            <a:endParaRPr lang="en-US" dirty="0">
+              <a:solidFill>
+                <a:schemeClr val="tx1">
+                  <a:lumMod val="95000"/>
+                  <a:lumOff val="5000"/>
+                </a:schemeClr>
+              </a:solidFill>
+            </a:endParaRPr>
+          </a:p>
+        </p:txBody>
+      </p:sp>
+      <p:pic>
+        <p:nvPicPr>
+          <p:cNvPr id="5123" name="Picture 3"/>
+          <p:cNvPicPr>
+            <a:picLocks noChangeAspect="1" noChangeArrowheads="1"/>
+          </p:cNvPicPr>
+          <p:nvPr/>
+        </p:nvPicPr>
+        <p:blipFill>
+          <a:blip r:embed="rId3" cstate="print"/>
+          <a:srcRect/>
+          <a:stretch>
+            <a:fillRect/>
+          </a:stretch>
+        </p:blipFill>
+        <p:spPr bwMode="auto">
+          <a:xfrm>
+            <a:off x="3995936" y="3212976"/>
+            <a:ext cx="4694237" cy="2225675"/>
+          </a:xfrm>
+          <a:prstGeom prst="rect">
+            <a:avLst/>
+          </a:prstGeom>
+          <a:noFill/>
+          <a:ln w="9525">
+            <a:noFill/>
+            <a:miter lim="800000"/>
+            <a:headEnd/>
+            <a:tailEnd/>
+          </a:ln>
+          <a:effectLst/>
+        </p:spPr>
+      </p:pic>
+      <p:sp>
+        <p:nvSpPr>
+          <p:cNvPr id="7" name="Прямоугольник 6"/>
+          <p:cNvSpPr/>
+          <p:nvPr/>
+        </p:nvSpPr>
+        <p:spPr>
+          <a:xfrm>
+            <a:off x="4716016" y="2924944"/>
+            <a:ext cx="2903359" cy="369332"/>
+          </a:xfrm>
+          <a:prstGeom prst="rect">
+            <a:avLst/>
+          </a:prstGeom>
+        </p:spPr>
+        <p:txBody>
+          <a:bodyPr wrap="none">
+            <a:spAutoFit/>
+          </a:bodyPr>
+          <a:lstStyle/>
+          <a:p>
+            <a:pPr algn="ctr"/>
+            <a:r>
+              <a:rPr lang="en-US" dirty="0" smtClean="0">
+                <a:solidFill>
+                  <a:schemeClr val="tx1">
+                    <a:lumMod val="95000"/>
+                    <a:lumOff val="5000"/>
+                  </a:schemeClr>
+                </a:solidFill>
+              </a:rPr>
+              <a:t>Decrypted file send to mail</a:t>
+            </a:r>
+            <a:endParaRPr lang="en-US" dirty="0">
+              <a:solidFill>
+                <a:schemeClr val="tx1">
+                  <a:lumMod val="95000"/>
+                  <a:lumOff val="5000"/>
+                </a:schemeClr>
+              </a:solidFill>
+            </a:endParaRPr>
           </a:p>
         </p:txBody>
       </p:sp>
@@ -5222,7 +5152,7 @@
           <a:p>
             <a:r>
               <a:rPr lang="en-US" dirty="0" smtClean="0"/>
-              <a:t>Cons</a:t>
+              <a:t>Pros</a:t>
             </a:r>
             <a:endParaRPr lang="en-US" dirty="0"/>
           </a:p>
@@ -5246,38 +5176,28 @@
         </p:spPr>
         <p:txBody>
           <a:bodyPr>
-            <a:normAutofit fontScale="92500"/>
+            <a:normAutofit/>
           </a:bodyPr>
           <a:lstStyle/>
           <a:p>
             <a:pPr fontAlgn="ctr"/>
             <a:r>
               <a:rPr lang="en-US" dirty="0" smtClean="0"/>
-              <a:t>Asymmetric encryption is slower than symmetric encryption because of the computationally intensive operations involved. </a:t>
+              <a:t>Asymmetric encryption offers more information security. </a:t>
             </a:r>
           </a:p>
           <a:p>
             <a:pPr fontAlgn="ctr"/>
             <a:r>
               <a:rPr lang="en-US" dirty="0" smtClean="0"/>
-              <a:t>Asymmetric encryption is less efficient than symmetric encryption, making it unsuitable for encrypting large amounts of data. </a:t>
+              <a:t>The recipient can verify the origin of a message, making it easier to avoid messages from unknown senders. </a:t>
             </a:r>
           </a:p>
           <a:p>
             <a:pPr fontAlgn="ctr"/>
             <a:r>
               <a:rPr lang="en-US" dirty="0" smtClean="0"/>
-              <a:t>If the private key is lost, no one can decrypt the information. </a:t>
-            </a:r>
-          </a:p>
-          <a:p>
-            <a:r>
-              <a:rPr lang="en-US" smtClean="0"/>
-              <a:t>All </a:t>
-            </a:r>
-            <a:r>
-              <a:rPr lang="en-US" dirty="0" smtClean="0"/>
-              <a:t>parties must use the same form of encryption to share messages. </a:t>
+              <a:t>Asymmetric encryption creates security signatures that allow users to authenticate documents. </a:t>
             </a:r>
           </a:p>
           <a:p>
@@ -5320,6 +5240,111 @@
             <p:ph type="title"/>
           </p:nvPr>
         </p:nvSpPr>
+        <p:spPr/>
+        <p:txBody>
+          <a:bodyPr/>
+          <a:lstStyle/>
+          <a:p>
+            <a:r>
+              <a:rPr lang="en-US" dirty="0" smtClean="0"/>
+              <a:t>Cons</a:t>
+            </a:r>
+            <a:endParaRPr lang="en-US" dirty="0"/>
+          </a:p>
+        </p:txBody>
+      </p:sp>
+      <p:sp>
+        <p:nvSpPr>
+          <p:cNvPr id="3" name="Содержимое 2"/>
+          <p:cNvSpPr>
+            <a:spLocks noGrp="1"/>
+          </p:cNvSpPr>
+          <p:nvPr>
+            <p:ph idx="1"/>
+          </p:nvPr>
+        </p:nvSpPr>
+        <p:spPr>
+          <a:xfrm>
+            <a:off x="1043608" y="1447800"/>
+            <a:ext cx="7890080" cy="5410200"/>
+          </a:xfrm>
+        </p:spPr>
+        <p:txBody>
+          <a:bodyPr>
+            <a:normAutofit fontScale="92500"/>
+          </a:bodyPr>
+          <a:lstStyle/>
+          <a:p>
+            <a:pPr fontAlgn="ctr"/>
+            <a:r>
+              <a:rPr lang="en-US" dirty="0" smtClean="0"/>
+              <a:t>Asymmetric encryption is slower than symmetric encryption because of the computationally intensive operations involved. </a:t>
+            </a:r>
+          </a:p>
+          <a:p>
+            <a:pPr fontAlgn="ctr"/>
+            <a:r>
+              <a:rPr lang="en-US" dirty="0" smtClean="0"/>
+              <a:t>Asymmetric encryption is less efficient than symmetric encryption, making it unsuitable for encrypting large amounts of data. </a:t>
+            </a:r>
+          </a:p>
+          <a:p>
+            <a:pPr fontAlgn="ctr"/>
+            <a:r>
+              <a:rPr lang="en-US" dirty="0" smtClean="0"/>
+              <a:t>If the private key is lost, no one can decrypt the information. </a:t>
+            </a:r>
+          </a:p>
+          <a:p>
+            <a:r>
+              <a:rPr lang="en-US" smtClean="0"/>
+              <a:t>All </a:t>
+            </a:r>
+            <a:r>
+              <a:rPr lang="en-US" dirty="0" smtClean="0"/>
+              <a:t>parties must use the same form of encryption to share messages. </a:t>
+            </a:r>
+          </a:p>
+          <a:p>
+            <a:endParaRPr lang="en-US" dirty="0"/>
+          </a:p>
+        </p:txBody>
+      </p:sp>
+    </p:spTree>
+  </p:cSld>
+  <p:clrMapOvr>
+    <a:masterClrMapping/>
+  </p:clrMapOvr>
+</p:sld>
+</file>
+
+<file path=ppt/slides/slide18.xml><?xml version="1.0" encoding="utf-8"?>
+<p:sld xmlns:a="http://schemas.openxmlformats.org/drawingml/2006/main" xmlns:r="http://schemas.openxmlformats.org/officeDocument/2006/relationships" xmlns:p="http://schemas.openxmlformats.org/presentationml/2006/main">
+  <p:cSld>
+    <p:spTree>
+      <p:nvGrpSpPr>
+        <p:cNvPr id="1" name=""/>
+        <p:cNvGrpSpPr/>
+        <p:nvPr/>
+      </p:nvGrpSpPr>
+      <p:grpSpPr>
+        <a:xfrm>
+          <a:off x="0" y="0"/>
+          <a:ext cx="0" cy="0"/>
+          <a:chOff x="0" y="0"/>
+          <a:chExt cx="0" cy="0"/>
+        </a:xfrm>
+      </p:grpSpPr>
+      <p:sp>
+        <p:nvSpPr>
+          <p:cNvPr id="2" name="Заголовок 1"/>
+          <p:cNvSpPr>
+            <a:spLocks noGrp="1"/>
+          </p:cNvSpPr>
+          <p:nvPr>
+            <p:ph type="title"/>
+          </p:nvPr>
+        </p:nvSpPr>
         <p:spPr>
           <a:xfrm>
             <a:off x="3851920" y="2636912"/>
@@ -5380,7 +5405,7 @@
           <a:p>
             <a:r>
               <a:rPr lang="en-US" dirty="0" smtClean="0"/>
-              <a:t>Frameworks and Libraries</a:t>
+              <a:t>Actuality of Encrypted</a:t>
             </a:r>
             <a:endParaRPr lang="en-US" dirty="0"/>
           </a:p>
@@ -5396,49 +5421,24 @@
             <p:ph idx="1"/>
           </p:nvPr>
         </p:nvSpPr>
-        <p:spPr/>
+        <p:spPr>
+          <a:xfrm>
+            <a:off x="1043608" y="1447800"/>
+            <a:ext cx="7890080" cy="4800600"/>
+          </a:xfrm>
+        </p:spPr>
         <p:txBody>
           <a:bodyPr/>
           <a:lstStyle/>
           <a:p>
             <a:r>
               <a:rPr lang="en-US" dirty="0" smtClean="0"/>
-              <a:t>I used Python, Framework </a:t>
-            </a:r>
-            <a:r>
-              <a:rPr lang="en-US" dirty="0" err="1" smtClean="0"/>
-              <a:t>Django</a:t>
+              <a:t>Every year millions of computer data get stolen. And every year this number is increasing with the rise of computer users and lack of computer education</a:t>
             </a:r>
             <a:endParaRPr lang="en-US" dirty="0"/>
           </a:p>
         </p:txBody>
       </p:sp>
-      <p:pic>
-        <p:nvPicPr>
-          <p:cNvPr id="1026" name="Picture 2" descr="Starting a Django Project in an Existing Directory | Automation Panda"/>
-          <p:cNvPicPr>
-            <a:picLocks noChangeAspect="1" noChangeArrowheads="1"/>
-          </p:cNvPicPr>
-          <p:nvPr/>
-        </p:nvPicPr>
-        <p:blipFill>
-          <a:blip r:embed="rId2" cstate="print"/>
-          <a:srcRect/>
-          <a:stretch>
-            <a:fillRect/>
-          </a:stretch>
-        </p:blipFill>
-        <p:spPr bwMode="auto">
-          <a:xfrm>
-            <a:off x="2051720" y="2492896"/>
-            <a:ext cx="5905500" cy="2686051"/>
-          </a:xfrm>
-          <a:prstGeom prst="rect">
-            <a:avLst/>
-          </a:prstGeom>
-          <a:noFill/>
-        </p:spPr>
-      </p:pic>
     </p:spTree>
   </p:cSld>
   <p:clrMapOvr>
@@ -5481,7 +5481,7 @@
           <a:p>
             <a:r>
               <a:rPr lang="en-US" dirty="0" smtClean="0"/>
-              <a:t>Encryptions algorithms</a:t>
+              <a:t>Frameworks and Libraries</a:t>
             </a:r>
             <a:endParaRPr lang="en-US" dirty="0"/>
           </a:p>
@@ -5504,28 +5504,42 @@
           <a:p>
             <a:r>
               <a:rPr lang="en-US" dirty="0" smtClean="0"/>
-              <a:t>There is two types of algorithms in this project:</a:t>
-            </a:r>
-          </a:p>
-          <a:p>
-            <a:pPr lvl="1"/>
-            <a:r>
-              <a:rPr lang="en-US" dirty="0" smtClean="0"/>
-              <a:t>Symmetric</a:t>
-            </a:r>
-          </a:p>
-          <a:p>
-            <a:pPr lvl="1"/>
-            <a:r>
-              <a:rPr lang="en-US" dirty="0" smtClean="0"/>
-              <a:t>Asymmetric</a:t>
-            </a:r>
-          </a:p>
-          <a:p>
-            <a:endParaRPr lang="en-US" dirty="0" smtClean="0"/>
-          </a:p>
-        </p:txBody>
-      </p:sp>
+              <a:t>I used Python, Framework </a:t>
+            </a:r>
+            <a:r>
+              <a:rPr lang="en-US" dirty="0" err="1" smtClean="0"/>
+              <a:t>Django</a:t>
+            </a:r>
+            <a:endParaRPr lang="en-US" dirty="0"/>
+          </a:p>
+        </p:txBody>
+      </p:sp>
+      <p:pic>
+        <p:nvPicPr>
+          <p:cNvPr id="1026" name="Picture 2" descr="Starting a Django Project in an Existing Directory | Automation Panda"/>
+          <p:cNvPicPr>
+            <a:picLocks noChangeAspect="1" noChangeArrowheads="1"/>
+          </p:cNvPicPr>
+          <p:nvPr/>
+        </p:nvPicPr>
+        <p:blipFill>
+          <a:blip r:embed="rId2" cstate="print"/>
+          <a:srcRect/>
+          <a:stretch>
+            <a:fillRect/>
+          </a:stretch>
+        </p:blipFill>
+        <p:spPr bwMode="auto">
+          <a:xfrm>
+            <a:off x="2051720" y="2492896"/>
+            <a:ext cx="5905500" cy="2686051"/>
+          </a:xfrm>
+          <a:prstGeom prst="rect">
+            <a:avLst/>
+          </a:prstGeom>
+          <a:noFill/>
+        </p:spPr>
+      </p:pic>
     </p:spTree>
   </p:cSld>
   <p:clrMapOvr>
@@ -5568,7 +5582,7 @@
           <a:p>
             <a:r>
               <a:rPr lang="en-US" dirty="0" smtClean="0"/>
-              <a:t>Symmetric Encryption</a:t>
+              <a:t>Encryptions algorithms</a:t>
             </a:r>
             <a:endParaRPr lang="en-US" dirty="0"/>
           </a:p>
@@ -5584,21 +5598,32 @@
             <p:ph idx="1"/>
           </p:nvPr>
         </p:nvSpPr>
-        <p:spPr>
-          <a:xfrm>
-            <a:off x="971600" y="1447800"/>
-            <a:ext cx="7962088" cy="4800600"/>
-          </a:xfrm>
-        </p:spPr>
+        <p:spPr/>
         <p:txBody>
           <a:bodyPr/>
           <a:lstStyle/>
           <a:p>
             <a:r>
               <a:rPr lang="en-US" dirty="0" smtClean="0"/>
-              <a:t>Symmetric encryption is an encryption method that uses a single key to encrypt and decrypt data. Though generally less secure than asymmetric encryption, it’s often considered more efficient because it requires less processing power.</a:t>
-            </a:r>
-            <a:endParaRPr lang="en-US" dirty="0"/>
+              <a:t>There is two types of algorithms in this project:</a:t>
+            </a:r>
+          </a:p>
+          <a:p>
+            <a:pPr lvl="1"/>
+            <a:r>
+              <a:rPr lang="en-US" dirty="0" smtClean="0"/>
+              <a:t>Symmetric</a:t>
+            </a:r>
+          </a:p>
+          <a:p>
+            <a:pPr lvl="1"/>
+            <a:r>
+              <a:rPr lang="en-US" dirty="0" smtClean="0"/>
+              <a:t>Asymmetric</a:t>
+            </a:r>
+          </a:p>
+          <a:p>
+            <a:endParaRPr lang="en-US" dirty="0" smtClean="0"/>
           </a:p>
         </p:txBody>
       </p:sp>
@@ -5644,7 +5669,7 @@
           <a:p>
             <a:r>
               <a:rPr lang="en-US" dirty="0" smtClean="0"/>
-              <a:t>How it works</a:t>
+              <a:t>Symmetric Encryption</a:t>
             </a:r>
             <a:endParaRPr lang="en-US" dirty="0"/>
           </a:p>
@@ -5662,8 +5687,8 @@
         </p:nvSpPr>
         <p:spPr>
           <a:xfrm>
-            <a:off x="1043608" y="1447800"/>
-            <a:ext cx="7890080" cy="4800600"/>
+            <a:off x="971600" y="1447800"/>
+            <a:ext cx="7962088" cy="4800600"/>
           </a:xfrm>
         </p:spPr>
         <p:txBody>
@@ -5672,37 +5697,12 @@
           <a:p>
             <a:r>
               <a:rPr lang="en-US" dirty="0" smtClean="0"/>
-              <a:t>Symmetric encryption works by creating a single shared key. With the key you can encrypt and decrypt data.</a:t>
-            </a:r>
-          </a:p>
-        </p:txBody>
-      </p:sp>
-      <p:pic>
-        <p:nvPicPr>
-          <p:cNvPr id="8194" name="Picture 2" descr="What is Symmetric Encryption? Symmetric-Key Algorithms"/>
-          <p:cNvPicPr>
-            <a:picLocks noChangeAspect="1" noChangeArrowheads="1"/>
-          </p:cNvPicPr>
-          <p:nvPr/>
-        </p:nvPicPr>
-        <p:blipFill>
-          <a:blip r:embed="rId2" cstate="print"/>
-          <a:srcRect/>
-          <a:stretch>
-            <a:fillRect/>
-          </a:stretch>
-        </p:blipFill>
-        <p:spPr bwMode="auto">
-          <a:xfrm>
-            <a:off x="1763688" y="3068960"/>
-            <a:ext cx="7048500" cy="3543300"/>
-          </a:xfrm>
-          <a:prstGeom prst="rect">
-            <a:avLst/>
-          </a:prstGeom>
-          <a:noFill/>
-        </p:spPr>
-      </p:pic>
+              <a:t>Symmetric encryption is an encryption method that uses a single key to encrypt and decrypt data. Though generally less secure than asymmetric encryption, it’s often considered more efficient because it requires less processing power.</a:t>
+            </a:r>
+            <a:endParaRPr lang="en-US" dirty="0"/>
+          </a:p>
+        </p:txBody>
+      </p:sp>
     </p:spTree>
   </p:cSld>
   <p:clrMapOvr>
@@ -5738,27 +5738,49 @@
             <p:ph type="title"/>
           </p:nvPr>
         </p:nvSpPr>
-        <p:spPr>
-          <a:xfrm>
-            <a:off x="971600" y="620688"/>
-            <a:ext cx="7962088" cy="796950"/>
-          </a:xfrm>
-        </p:spPr>
+        <p:spPr/>
         <p:txBody>
           <a:bodyPr/>
           <a:lstStyle/>
           <a:p>
             <a:r>
               <a:rPr lang="en-US" dirty="0" smtClean="0"/>
-              <a:t>Symmetric Encryption in project</a:t>
+              <a:t>How it works</a:t>
             </a:r>
             <a:endParaRPr lang="en-US" dirty="0"/>
+          </a:p>
+        </p:txBody>
+      </p:sp>
+      <p:sp>
+        <p:nvSpPr>
+          <p:cNvPr id="3" name="Содержимое 2"/>
+          <p:cNvSpPr>
+            <a:spLocks noGrp="1"/>
+          </p:cNvSpPr>
+          <p:nvPr>
+            <p:ph idx="1"/>
+          </p:nvPr>
+        </p:nvSpPr>
+        <p:spPr>
+          <a:xfrm>
+            <a:off x="1043608" y="1447800"/>
+            <a:ext cx="7890080" cy="4800600"/>
+          </a:xfrm>
+        </p:spPr>
+        <p:txBody>
+          <a:bodyPr/>
+          <a:lstStyle/>
+          <a:p>
+            <a:r>
+              <a:rPr lang="en-US" dirty="0" smtClean="0"/>
+              <a:t>Symmetric encryption works by creating a single shared key. With the key you can encrypt and decrypt data.</a:t>
+            </a:r>
           </a:p>
         </p:txBody>
       </p:sp>
       <p:pic>
         <p:nvPicPr>
-          <p:cNvPr id="1026" name="Picture 2"/>
+          <p:cNvPr id="8194" name="Picture 2" descr="What is Symmetric Encryption? Symmetric-Key Algorithms"/>
           <p:cNvPicPr>
             <a:picLocks noChangeAspect="1" noChangeArrowheads="1"/>
           </p:cNvPicPr>
@@ -5773,127 +5795,15 @@
         </p:blipFill>
         <p:spPr bwMode="auto">
           <a:xfrm>
-            <a:off x="0" y="2225064"/>
-            <a:ext cx="3995936" cy="4145394"/>
+            <a:off x="1763688" y="3068960"/>
+            <a:ext cx="7048500" cy="3543300"/>
           </a:xfrm>
           <a:prstGeom prst="rect">
             <a:avLst/>
           </a:prstGeom>
           <a:noFill/>
-          <a:ln w="9525">
-            <a:noFill/>
-            <a:miter lim="800000"/>
-            <a:headEnd/>
-            <a:tailEnd/>
-          </a:ln>
-          <a:effectLst/>
         </p:spPr>
       </p:pic>
-      <p:sp>
-        <p:nvSpPr>
-          <p:cNvPr id="7" name="Прямоугольник 6"/>
-          <p:cNvSpPr/>
-          <p:nvPr/>
-        </p:nvSpPr>
-        <p:spPr>
-          <a:xfrm>
-            <a:off x="323528" y="1772816"/>
-            <a:ext cx="3888432" cy="369332"/>
-          </a:xfrm>
-          <a:prstGeom prst="rect">
-            <a:avLst/>
-          </a:prstGeom>
-        </p:spPr>
-        <p:txBody>
-          <a:bodyPr wrap="square">
-            <a:spAutoFit/>
-          </a:bodyPr>
-          <a:lstStyle/>
-          <a:p>
-            <a:r>
-              <a:rPr lang="en-US" dirty="0" smtClean="0">
-                <a:solidFill>
-                  <a:schemeClr val="tx1">
-                    <a:lumMod val="95000"/>
-                    <a:lumOff val="5000"/>
-                  </a:schemeClr>
-                </a:solidFill>
-              </a:rPr>
-              <a:t>Filling the form and submitting</a:t>
-            </a:r>
-            <a:endParaRPr lang="en-US" dirty="0">
-              <a:solidFill>
-                <a:schemeClr val="tx1">
-                  <a:lumMod val="95000"/>
-                  <a:lumOff val="5000"/>
-                </a:schemeClr>
-              </a:solidFill>
-            </a:endParaRPr>
-          </a:p>
-        </p:txBody>
-      </p:sp>
-      <p:pic>
-        <p:nvPicPr>
-          <p:cNvPr id="1028" name="Picture 4"/>
-          <p:cNvPicPr>
-            <a:picLocks noChangeAspect="1" noChangeArrowheads="1"/>
-          </p:cNvPicPr>
-          <p:nvPr/>
-        </p:nvPicPr>
-        <p:blipFill>
-          <a:blip r:embed="rId3" cstate="print"/>
-          <a:srcRect/>
-          <a:stretch>
-            <a:fillRect/>
-          </a:stretch>
-        </p:blipFill>
-        <p:spPr bwMode="auto">
-          <a:xfrm>
-            <a:off x="3995936" y="2564904"/>
-            <a:ext cx="4972719" cy="2805194"/>
-          </a:xfrm>
-          <a:prstGeom prst="rect">
-            <a:avLst/>
-          </a:prstGeom>
-          <a:noFill/>
-          <a:ln w="9525">
-            <a:noFill/>
-            <a:miter lim="800000"/>
-            <a:headEnd/>
-            <a:tailEnd/>
-          </a:ln>
-          <a:effectLst/>
-        </p:spPr>
-      </p:pic>
-      <p:sp>
-        <p:nvSpPr>
-          <p:cNvPr id="9" name="Прямоугольник 8"/>
-          <p:cNvSpPr/>
-          <p:nvPr/>
-        </p:nvSpPr>
-        <p:spPr>
-          <a:xfrm>
-            <a:off x="4499993" y="2204864"/>
-            <a:ext cx="3960440" cy="369332"/>
-          </a:xfrm>
-          <a:prstGeom prst="rect">
-            <a:avLst/>
-          </a:prstGeom>
-        </p:spPr>
-        <p:txBody>
-          <a:bodyPr wrap="square">
-            <a:spAutoFit/>
-          </a:bodyPr>
-          <a:lstStyle/>
-          <a:p>
-            <a:r>
-              <a:rPr lang="en-US" dirty="0" smtClean="0"/>
-              <a:t>Receiving the encrypted file and key</a:t>
-            </a:r>
-            <a:endParaRPr lang="en-US" dirty="0"/>
-          </a:p>
-        </p:txBody>
-      </p:sp>
     </p:spTree>
   </p:cSld>
   <p:clrMapOvr>
@@ -5931,19 +5841,17 @@
         </p:nvSpPr>
         <p:spPr>
           <a:xfrm>
-            <a:off x="1043608" y="274638"/>
-            <a:ext cx="7890080" cy="922114"/>
-          </a:xfrm>
-        </p:spPr>
-        <p:txBody>
-          <a:bodyPr>
-            <a:normAutofit fontScale="90000"/>
-          </a:bodyPr>
+            <a:off x="971600" y="620688"/>
+            <a:ext cx="7962088" cy="796950"/>
+          </a:xfrm>
+        </p:spPr>
+        <p:txBody>
+          <a:bodyPr/>
           <a:lstStyle/>
           <a:p>
             <a:r>
               <a:rPr lang="en-US" dirty="0" smtClean="0"/>
-              <a:t>Symmetric Decryption in project</a:t>
+              <a:t>Symmetric Encryption in project</a:t>
             </a:r>
             <a:endParaRPr lang="en-US" dirty="0"/>
           </a:p>
@@ -5951,7 +5859,7 @@
       </p:sp>
       <p:pic>
         <p:nvPicPr>
-          <p:cNvPr id="2050" name="Picture 2"/>
+          <p:cNvPr id="1026" name="Picture 2"/>
           <p:cNvPicPr>
             <a:picLocks noChangeAspect="1" noChangeArrowheads="1"/>
           </p:cNvPicPr>
@@ -5966,8 +5874,8 @@
         </p:blipFill>
         <p:spPr bwMode="auto">
           <a:xfrm>
-            <a:off x="107504" y="1940024"/>
-            <a:ext cx="4037514" cy="4917976"/>
+            <a:off x="0" y="2225064"/>
+            <a:ext cx="3995936" cy="4145394"/>
           </a:xfrm>
           <a:prstGeom prst="rect">
             <a:avLst/>
@@ -5984,14 +5892,14 @@
       </p:pic>
       <p:sp>
         <p:nvSpPr>
-          <p:cNvPr id="5" name="Прямоугольник 4"/>
+          <p:cNvPr id="7" name="Прямоугольник 6"/>
           <p:cNvSpPr/>
           <p:nvPr/>
         </p:nvSpPr>
         <p:spPr>
           <a:xfrm>
-            <a:off x="107504" y="1340768"/>
-            <a:ext cx="4032448" cy="369332"/>
+            <a:off x="323528" y="1772816"/>
+            <a:ext cx="3888432" cy="369332"/>
           </a:xfrm>
           <a:prstGeom prst="rect">
             <a:avLst/>
@@ -6003,7 +5911,6 @@
           </a:bodyPr>
           <a:lstStyle/>
           <a:p>
-            <a:pPr algn="ctr"/>
             <a:r>
               <a:rPr lang="en-US" dirty="0" smtClean="0">
                 <a:solidFill>
@@ -6028,7 +5935,7 @@
       </p:sp>
       <p:pic>
         <p:nvPicPr>
-          <p:cNvPr id="2052" name="Picture 4"/>
+          <p:cNvPr id="1028" name="Picture 4"/>
           <p:cNvPicPr>
             <a:picLocks noChangeAspect="1" noChangeArrowheads="1"/>
           </p:cNvPicPr>
@@ -6043,8 +5950,8 @@
         </p:blipFill>
         <p:spPr bwMode="auto">
           <a:xfrm>
-            <a:off x="4572000" y="2204864"/>
-            <a:ext cx="3787775" cy="3871913"/>
+            <a:off x="3995936" y="2564904"/>
+            <a:ext cx="4972719" cy="2805194"/>
           </a:xfrm>
           <a:prstGeom prst="rect">
             <a:avLst/>
@@ -6061,45 +5968,30 @@
       </p:pic>
       <p:sp>
         <p:nvSpPr>
-          <p:cNvPr id="8" name="Прямоугольник 7"/>
+          <p:cNvPr id="9" name="Прямоугольник 8"/>
           <p:cNvSpPr/>
           <p:nvPr/>
         </p:nvSpPr>
         <p:spPr>
           <a:xfrm>
-            <a:off x="4919222" y="1556792"/>
-            <a:ext cx="3288080" cy="369332"/>
+            <a:off x="4499993" y="2204864"/>
+            <a:ext cx="3960440" cy="369332"/>
           </a:xfrm>
           <a:prstGeom prst="rect">
             <a:avLst/>
           </a:prstGeom>
         </p:spPr>
         <p:txBody>
-          <a:bodyPr wrap="none">
+          <a:bodyPr wrap="square">
             <a:spAutoFit/>
           </a:bodyPr>
           <a:lstStyle/>
           <a:p>
-            <a:pPr algn="ctr"/>
-            <a:r>
-              <a:rPr lang="en-US" dirty="0" smtClean="0">
-                <a:solidFill>
-                  <a:schemeClr val="tx1">
-                    <a:lumMod val="95000"/>
-                    <a:lumOff val="5000"/>
-                  </a:schemeClr>
-                </a:solidFill>
-              </a:rPr>
-              <a:t>Decrypted file send to the mail</a:t>
-            </a:r>
-            <a:endParaRPr lang="en-US" dirty="0">
-              <a:solidFill>
-                <a:schemeClr val="tx1">
-                  <a:lumMod val="95000"/>
-                  <a:lumOff val="5000"/>
-                </a:schemeClr>
-              </a:solidFill>
-            </a:endParaRPr>
+            <a:r>
+              <a:rPr lang="en-US" dirty="0" smtClean="0"/>
+              <a:t>Receiving the encrypted file and key</a:t>
+            </a:r>
+            <a:endParaRPr lang="en-US" dirty="0"/>
           </a:p>
         </p:txBody>
       </p:sp>
@@ -6138,62 +6030,177 @@
             <p:ph type="title"/>
           </p:nvPr>
         </p:nvSpPr>
-        <p:spPr/>
-        <p:txBody>
-          <a:bodyPr/>
-          <a:lstStyle/>
-          <a:p>
-            <a:r>
-              <a:rPr lang="en-US" dirty="0" smtClean="0"/>
-              <a:t>Pros</a:t>
-            </a:r>
-            <a:endParaRPr lang="en-US" dirty="0"/>
-          </a:p>
-        </p:txBody>
-      </p:sp>
-      <p:sp>
-        <p:nvSpPr>
-          <p:cNvPr id="3" name="Содержимое 2"/>
-          <p:cNvSpPr>
-            <a:spLocks noGrp="1"/>
-          </p:cNvSpPr>
-          <p:nvPr>
-            <p:ph idx="1"/>
-          </p:nvPr>
-        </p:nvSpPr>
         <p:spPr>
           <a:xfrm>
-            <a:off x="1043608" y="1447800"/>
-            <a:ext cx="7890080" cy="5410200"/>
+            <a:off x="1043608" y="274638"/>
+            <a:ext cx="7890080" cy="922114"/>
           </a:xfrm>
         </p:spPr>
         <p:txBody>
           <a:bodyPr>
-            <a:normAutofit/>
+            <a:normAutofit fontScale="90000"/>
           </a:bodyPr>
           <a:lstStyle/>
           <a:p>
-            <a:pPr fontAlgn="ctr"/>
             <a:r>
               <a:rPr lang="en-US" dirty="0" smtClean="0"/>
-              <a:t>Symmetric encryption is fast and efficient for encrypting large amounts of data, such as files, disks, or databases. </a:t>
-            </a:r>
-          </a:p>
-          <a:p>
-            <a:pPr fontAlgn="ctr"/>
-            <a:r>
-              <a:rPr lang="en-US" dirty="0" smtClean="0"/>
-              <a:t>Symmetric encryption is easy to understand and set up. </a:t>
-            </a:r>
-          </a:p>
-          <a:p>
-            <a:r>
-              <a:rPr lang="en-US" dirty="0" smtClean="0"/>
-              <a:t>Symmetric encryption is widely used in the industry</a:t>
-            </a:r>
-          </a:p>
-          <a:p>
+              <a:t>Symmetric Decryption in project</a:t>
+            </a:r>
             <a:endParaRPr lang="en-US" dirty="0"/>
+          </a:p>
+        </p:txBody>
+      </p:sp>
+      <p:pic>
+        <p:nvPicPr>
+          <p:cNvPr id="2050" name="Picture 2"/>
+          <p:cNvPicPr>
+            <a:picLocks noChangeAspect="1" noChangeArrowheads="1"/>
+          </p:cNvPicPr>
+          <p:nvPr/>
+        </p:nvPicPr>
+        <p:blipFill>
+          <a:blip r:embed="rId2" cstate="print"/>
+          <a:srcRect/>
+          <a:stretch>
+            <a:fillRect/>
+          </a:stretch>
+        </p:blipFill>
+        <p:spPr bwMode="auto">
+          <a:xfrm>
+            <a:off x="107504" y="1940024"/>
+            <a:ext cx="4037514" cy="4917976"/>
+          </a:xfrm>
+          <a:prstGeom prst="rect">
+            <a:avLst/>
+          </a:prstGeom>
+          <a:noFill/>
+          <a:ln w="9525">
+            <a:noFill/>
+            <a:miter lim="800000"/>
+            <a:headEnd/>
+            <a:tailEnd/>
+          </a:ln>
+          <a:effectLst/>
+        </p:spPr>
+      </p:pic>
+      <p:sp>
+        <p:nvSpPr>
+          <p:cNvPr id="5" name="Прямоугольник 4"/>
+          <p:cNvSpPr/>
+          <p:nvPr/>
+        </p:nvSpPr>
+        <p:spPr>
+          <a:xfrm>
+            <a:off x="107504" y="1340768"/>
+            <a:ext cx="4032448" cy="369332"/>
+          </a:xfrm>
+          <a:prstGeom prst="rect">
+            <a:avLst/>
+          </a:prstGeom>
+        </p:spPr>
+        <p:txBody>
+          <a:bodyPr wrap="square">
+            <a:spAutoFit/>
+          </a:bodyPr>
+          <a:lstStyle/>
+          <a:p>
+            <a:pPr algn="ctr"/>
+            <a:r>
+              <a:rPr lang="en-US" dirty="0" smtClean="0">
+                <a:solidFill>
+                  <a:schemeClr val="tx1">
+                    <a:lumMod val="95000"/>
+                    <a:lumOff val="5000"/>
+                  </a:schemeClr>
+                </a:solidFill>
+              </a:rPr>
+              <a:t>Filling the form and submitting</a:t>
+            </a:r>
+            <a:endParaRPr lang="en-US" dirty="0">
+              <a:solidFill>
+                <a:schemeClr val="tx1">
+                  <a:lumMod val="95000"/>
+                  <a:lumOff val="5000"/>
+                </a:schemeClr>
+              </a:solidFill>
+            </a:endParaRPr>
+          </a:p>
+        </p:txBody>
+      </p:sp>
+      <p:pic>
+        <p:nvPicPr>
+          <p:cNvPr id="2052" name="Picture 4"/>
+          <p:cNvPicPr>
+            <a:picLocks noChangeAspect="1" noChangeArrowheads="1"/>
+          </p:cNvPicPr>
+          <p:nvPr/>
+        </p:nvPicPr>
+        <p:blipFill>
+          <a:blip r:embed="rId3" cstate="print"/>
+          <a:srcRect/>
+          <a:stretch>
+            <a:fillRect/>
+          </a:stretch>
+        </p:blipFill>
+        <p:spPr bwMode="auto">
+          <a:xfrm>
+            <a:off x="4572000" y="2204864"/>
+            <a:ext cx="3787775" cy="3871913"/>
+          </a:xfrm>
+          <a:prstGeom prst="rect">
+            <a:avLst/>
+          </a:prstGeom>
+          <a:noFill/>
+          <a:ln w="9525">
+            <a:noFill/>
+            <a:miter lim="800000"/>
+            <a:headEnd/>
+            <a:tailEnd/>
+          </a:ln>
+          <a:effectLst/>
+        </p:spPr>
+      </p:pic>
+      <p:sp>
+        <p:nvSpPr>
+          <p:cNvPr id="8" name="Прямоугольник 7"/>
+          <p:cNvSpPr/>
+          <p:nvPr/>
+        </p:nvSpPr>
+        <p:spPr>
+          <a:xfrm>
+            <a:off x="4919222" y="1556792"/>
+            <a:ext cx="3288080" cy="369332"/>
+          </a:xfrm>
+          <a:prstGeom prst="rect">
+            <a:avLst/>
+          </a:prstGeom>
+        </p:spPr>
+        <p:txBody>
+          <a:bodyPr wrap="none">
+            <a:spAutoFit/>
+          </a:bodyPr>
+          <a:lstStyle/>
+          <a:p>
+            <a:pPr algn="ctr"/>
+            <a:r>
+              <a:rPr lang="en-US" dirty="0" smtClean="0">
+                <a:solidFill>
+                  <a:schemeClr val="tx1">
+                    <a:lumMod val="95000"/>
+                    <a:lumOff val="5000"/>
+                  </a:schemeClr>
+                </a:solidFill>
+              </a:rPr>
+              <a:t>Decrypted file send to the mail</a:t>
+            </a:r>
+            <a:endParaRPr lang="en-US" dirty="0">
+              <a:solidFill>
+                <a:schemeClr val="tx1">
+                  <a:lumMod val="95000"/>
+                  <a:lumOff val="5000"/>
+                </a:schemeClr>
+              </a:solidFill>
+            </a:endParaRPr>
           </a:p>
         </p:txBody>
       </p:sp>
@@ -6239,7 +6246,7 @@
           <a:p>
             <a:r>
               <a:rPr lang="en-US" dirty="0" smtClean="0"/>
-              <a:t>Cons</a:t>
+              <a:t>Pros</a:t>
             </a:r>
             <a:endParaRPr lang="en-US" dirty="0"/>
           </a:p>
@@ -6258,32 +6265,32 @@
         <p:spPr>
           <a:xfrm>
             <a:off x="1043608" y="1447800"/>
-            <a:ext cx="7890080" cy="5221560"/>
+            <a:ext cx="7890080" cy="5410200"/>
           </a:xfrm>
         </p:spPr>
         <p:txBody>
           <a:bodyPr>
-            <a:normAutofit lnSpcReduction="10000"/>
+            <a:normAutofit/>
           </a:bodyPr>
           <a:lstStyle/>
           <a:p>
             <a:pPr fontAlgn="ctr"/>
             <a:r>
               <a:rPr lang="en-US" dirty="0" smtClean="0"/>
-              <a:t>The key must be kept secret, and the transmission of the key must be secure. If the key is compromised, all the data encrypted with that key is vulnerable. </a:t>
+              <a:t>Symmetric encryption is fast and efficient for encrypting large amounts of data, such as files, disks, or databases. </a:t>
             </a:r>
           </a:p>
           <a:p>
             <a:pPr fontAlgn="ctr"/>
             <a:r>
               <a:rPr lang="en-US" dirty="0" smtClean="0"/>
-              <a:t>Distributing and managing keys can be challenging, especially for large or dynamic networks. </a:t>
+              <a:t>Symmetric encryption is easy to understand and set up. </a:t>
             </a:r>
           </a:p>
           <a:p>
             <a:r>
               <a:rPr lang="en-US" dirty="0" smtClean="0"/>
-              <a:t>Symmetric encryption does not verify the identity of the sender or prevent the sender from denying the message. </a:t>
+              <a:t>Symmetric encryption is widely used in the industry</a:t>
             </a:r>
           </a:p>
           <a:p>
